--- a/BUSM 180 - Kevin Kusuma.pptx
+++ b/BUSM 180 - Kevin Kusuma.pptx
@@ -5,16 +5,21 @@
     <p:sldMasterId id="2147483648" r:id="rId1"/>
   </p:sldMasterIdLst>
   <p:notesMasterIdLst>
-    <p:notesMasterId r:id="rId9"/>
+    <p:notesMasterId r:id="rId14"/>
   </p:notesMasterIdLst>
   <p:sldIdLst>
     <p:sldId id="269" r:id="rId2"/>
     <p:sldId id="270" r:id="rId3"/>
-    <p:sldId id="316" r:id="rId4"/>
-    <p:sldId id="273" r:id="rId5"/>
-    <p:sldId id="314" r:id="rId6"/>
-    <p:sldId id="315" r:id="rId7"/>
-    <p:sldId id="313" r:id="rId8"/>
+    <p:sldId id="317" r:id="rId4"/>
+    <p:sldId id="316" r:id="rId5"/>
+    <p:sldId id="318" r:id="rId6"/>
+    <p:sldId id="319" r:id="rId7"/>
+    <p:sldId id="320" r:id="rId8"/>
+    <p:sldId id="321" r:id="rId9"/>
+    <p:sldId id="314" r:id="rId10"/>
+    <p:sldId id="315" r:id="rId11"/>
+    <p:sldId id="273" r:id="rId12"/>
+    <p:sldId id="313" r:id="rId13"/>
   </p:sldIdLst>
   <p:sldSz cx="12192000" cy="6858000"/>
   <p:notesSz cx="6858000" cy="9144000"/>
@@ -215,7 +220,7 @@
           <a:p>
             <a:fld id="{BCD9A2A2-B522-AA48-8BB6-1E4D469CE1FC}" type="datetimeFigureOut">
               <a:rPr lang="en-US" smtClean="0"/>
-              <a:t>2/25/23</a:t>
+              <a:t>2/26/23</a:t>
             </a:fld>
             <a:endParaRPr lang="en-US"/>
           </a:p>
@@ -623,7 +628,7 @@
           <a:p>
             <a:fld id="{7B722999-ACCF-194C-A211-7FDE8E5429FE}" type="datetimeFigureOut">
               <a:rPr lang="en-US" smtClean="0"/>
-              <a:t>2/25/23</a:t>
+              <a:t>2/26/23</a:t>
             </a:fld>
             <a:endParaRPr lang="en-US"/>
           </a:p>
@@ -909,7 +914,7 @@
           <a:p>
             <a:fld id="{7B722999-ACCF-194C-A211-7FDE8E5429FE}" type="datetimeFigureOut">
               <a:rPr lang="en-US" smtClean="0"/>
-              <a:t>2/25/23</a:t>
+              <a:t>2/26/23</a:t>
             </a:fld>
             <a:endParaRPr lang="en-US"/>
           </a:p>
@@ -1190,7 +1195,7 @@
           <a:p>
             <a:fld id="{7B722999-ACCF-194C-A211-7FDE8E5429FE}" type="datetimeFigureOut">
               <a:rPr lang="en-US" smtClean="0"/>
-              <a:t>2/25/23</a:t>
+              <a:t>2/26/23</a:t>
             </a:fld>
             <a:endParaRPr lang="en-US"/>
           </a:p>
@@ -1526,7 +1531,7 @@
           <a:p>
             <a:fld id="{7B722999-ACCF-194C-A211-7FDE8E5429FE}" type="datetimeFigureOut">
               <a:rPr lang="en-US" smtClean="0"/>
-              <a:t>2/25/23</a:t>
+              <a:t>2/26/23</a:t>
             </a:fld>
             <a:endParaRPr lang="en-US"/>
           </a:p>
@@ -1901,7 +1906,7 @@
           <a:p>
             <a:fld id="{7B722999-ACCF-194C-A211-7FDE8E5429FE}" type="datetimeFigureOut">
               <a:rPr lang="en-US" smtClean="0"/>
-              <a:t>2/25/23</a:t>
+              <a:t>2/26/23</a:t>
             </a:fld>
             <a:endParaRPr lang="en-US"/>
           </a:p>
@@ -2334,7 +2339,7 @@
           <a:p>
             <a:fld id="{7B722999-ACCF-194C-A211-7FDE8E5429FE}" type="datetimeFigureOut">
               <a:rPr lang="en-US" smtClean="0"/>
-              <a:t>2/25/23</a:t>
+              <a:t>2/26/23</a:t>
             </a:fld>
             <a:endParaRPr lang="en-US"/>
           </a:p>
@@ -2909,7 +2914,7 @@
           <a:p>
             <a:fld id="{7B722999-ACCF-194C-A211-7FDE8E5429FE}" type="datetimeFigureOut">
               <a:rPr lang="en-US" smtClean="0"/>
-              <a:t>2/25/23</a:t>
+              <a:t>2/26/23</a:t>
             </a:fld>
             <a:endParaRPr lang="en-US"/>
           </a:p>
@@ -3157,7 +3162,7 @@
           <a:p>
             <a:fld id="{7B722999-ACCF-194C-A211-7FDE8E5429FE}" type="datetimeFigureOut">
               <a:rPr lang="en-US" smtClean="0"/>
-              <a:t>2/25/23</a:t>
+              <a:t>2/26/23</a:t>
             </a:fld>
             <a:endParaRPr lang="en-US"/>
           </a:p>
@@ -3584,7 +3589,7 @@
           <a:p>
             <a:fld id="{7B722999-ACCF-194C-A211-7FDE8E5429FE}" type="datetimeFigureOut">
               <a:rPr lang="en-US" smtClean="0"/>
-              <a:t>2/25/23</a:t>
+              <a:t>2/26/23</a:t>
             </a:fld>
             <a:endParaRPr lang="en-US"/>
           </a:p>
@@ -3970,7 +3975,7 @@
           <a:p>
             <a:fld id="{7B722999-ACCF-194C-A211-7FDE8E5429FE}" type="datetimeFigureOut">
               <a:rPr lang="en-US" smtClean="0"/>
-              <a:t>2/25/23</a:t>
+              <a:t>2/26/23</a:t>
             </a:fld>
             <a:endParaRPr lang="en-US"/>
           </a:p>
@@ -4187,7 +4192,7 @@
           <a:p>
             <a:fld id="{7B722999-ACCF-194C-A211-7FDE8E5429FE}" type="datetimeFigureOut">
               <a:rPr lang="en-US" smtClean="0"/>
-              <a:t>2/25/23</a:t>
+              <a:t>2/26/23</a:t>
             </a:fld>
             <a:endParaRPr lang="en-US"/>
           </a:p>
@@ -4551,7 +4556,7 @@
           <a:p>
             <a:fld id="{7B722999-ACCF-194C-A211-7FDE8E5429FE}" type="datetimeFigureOut">
               <a:rPr lang="en-US" smtClean="0"/>
-              <a:t>2/25/23</a:t>
+              <a:t>2/26/23</a:t>
             </a:fld>
             <a:endParaRPr lang="en-US"/>
           </a:p>
@@ -5023,6 +5028,420 @@
 </p:sld>
 </file>
 
+<file path=ppt/slides/slide10.xml><?xml version="1.0" encoding="utf-8"?>
+<p:sld xmlns:a="http://schemas.openxmlformats.org/drawingml/2006/main" xmlns:r="http://schemas.openxmlformats.org/officeDocument/2006/relationships" xmlns:p="http://schemas.openxmlformats.org/presentationml/2006/main">
+  <p:cSld>
+    <p:spTree>
+      <p:nvGrpSpPr>
+        <p:cNvPr id="1" name=""/>
+        <p:cNvGrpSpPr/>
+        <p:nvPr/>
+      </p:nvGrpSpPr>
+      <p:grpSpPr>
+        <a:xfrm>
+          <a:off x="0" y="0"/>
+          <a:ext cx="0" cy="0"/>
+          <a:chOff x="0" y="0"/>
+          <a:chExt cx="0" cy="0"/>
+        </a:xfrm>
+      </p:grpSpPr>
+      <p:sp>
+        <p:nvSpPr>
+          <p:cNvPr id="2" name="Title 1">
+            <a:extLst>
+              <a:ext uri="{FF2B5EF4-FFF2-40B4-BE49-F238E27FC236}">
+                <a16:creationId xmlns:a16="http://schemas.microsoft.com/office/drawing/2014/main" id="{C6AF3951-5A64-BD08-2426-1D87CDE50BBA}"/>
+              </a:ext>
+            </a:extLst>
+          </p:cNvPr>
+          <p:cNvSpPr>
+            <a:spLocks noGrp="1"/>
+          </p:cNvSpPr>
+          <p:nvPr>
+            <p:ph type="title"/>
+          </p:nvPr>
+        </p:nvSpPr>
+        <p:spPr/>
+        <p:txBody>
+          <a:bodyPr/>
+          <a:lstStyle/>
+          <a:p>
+            <a:r>
+              <a:rPr lang="en-US" dirty="0" err="1"/>
+              <a:t>github.com</a:t>
+            </a:r>
+            <a:r>
+              <a:rPr lang="en-US" dirty="0"/>
+              <a:t>/c-</a:t>
+            </a:r>
+            <a:r>
+              <a:rPr lang="en-US" dirty="0" err="1"/>
+              <a:t>kevin</a:t>
+            </a:r>
+            <a:r>
+              <a:rPr lang="en-US" dirty="0"/>
+              <a:t>-Kusuma/</a:t>
+            </a:r>
+            <a:r>
+              <a:rPr lang="en-US" dirty="0" err="1"/>
+              <a:t>byuh</a:t>
+            </a:r>
+            <a:endParaRPr lang="en-US" dirty="0"/>
+          </a:p>
+        </p:txBody>
+      </p:sp>
+    </p:spTree>
+    <p:extLst>
+      <p:ext uri="{BB962C8B-B14F-4D97-AF65-F5344CB8AC3E}">
+        <p14:creationId xmlns:p14="http://schemas.microsoft.com/office/powerpoint/2010/main" val="2072063512"/>
+      </p:ext>
+    </p:extLst>
+  </p:cSld>
+  <p:clrMapOvr>
+    <a:masterClrMapping/>
+  </p:clrMapOvr>
+</p:sld>
+</file>
+
+<file path=ppt/slides/slide11.xml><?xml version="1.0" encoding="utf-8"?>
+<p:sld xmlns:a="http://schemas.openxmlformats.org/drawingml/2006/main" xmlns:r="http://schemas.openxmlformats.org/officeDocument/2006/relationships" xmlns:p="http://schemas.openxmlformats.org/presentationml/2006/main">
+  <p:cSld>
+    <p:spTree>
+      <p:nvGrpSpPr>
+        <p:cNvPr id="1" name=""/>
+        <p:cNvGrpSpPr/>
+        <p:nvPr/>
+      </p:nvGrpSpPr>
+      <p:grpSpPr>
+        <a:xfrm>
+          <a:off x="0" y="0"/>
+          <a:ext cx="0" cy="0"/>
+          <a:chOff x="0" y="0"/>
+          <a:chExt cx="0" cy="0"/>
+        </a:xfrm>
+      </p:grpSpPr>
+      <p:sp>
+        <p:nvSpPr>
+          <p:cNvPr id="4" name="Title 3"/>
+          <p:cNvSpPr>
+            <a:spLocks noGrp="1"/>
+          </p:cNvSpPr>
+          <p:nvPr>
+            <p:ph type="title"/>
+          </p:nvPr>
+        </p:nvSpPr>
+        <p:spPr>
+          <a:xfrm>
+            <a:off x="838200" y="365125"/>
+            <a:ext cx="10515600" cy="1325563"/>
+          </a:xfrm>
+        </p:spPr>
+        <p:txBody>
+          <a:bodyPr vert="horz" lIns="91440" tIns="45720" rIns="91440" bIns="45720" rtlCol="0" anchor="ctr">
+            <a:normAutofit/>
+          </a:bodyPr>
+          <a:lstStyle/>
+          <a:p>
+            <a:r>
+              <a:rPr lang="en-US" b="1" kern="1200" dirty="0">
+                <a:latin typeface="Source Sans Pro" charset="0"/>
+                <a:ea typeface="Source Sans Pro" charset="0"/>
+                <a:cs typeface="Source Sans Pro" charset="0"/>
+              </a:rPr>
+              <a:t>Let’s Do A Quick Exercise</a:t>
+            </a:r>
+          </a:p>
+        </p:txBody>
+      </p:sp>
+      <p:sp>
+        <p:nvSpPr>
+          <p:cNvPr id="2" name="TextBox 1">
+            <a:extLst>
+              <a:ext uri="{FF2B5EF4-FFF2-40B4-BE49-F238E27FC236}">
+                <a16:creationId xmlns:a16="http://schemas.microsoft.com/office/drawing/2014/main" id="{E291BC1B-B204-FD0C-41FC-1F59FE502D17}"/>
+              </a:ext>
+            </a:extLst>
+          </p:cNvPr>
+          <p:cNvSpPr txBox="1"/>
+          <p:nvPr/>
+        </p:nvSpPr>
+        <p:spPr>
+          <a:xfrm>
+            <a:off x="838200" y="1825625"/>
+            <a:ext cx="5181600" cy="3574521"/>
+          </a:xfrm>
+          <a:prstGeom prst="rect">
+            <a:avLst/>
+          </a:prstGeom>
+        </p:spPr>
+        <p:txBody>
+          <a:bodyPr vert="horz" lIns="91440" tIns="45720" rIns="91440" bIns="45720" rtlCol="0">
+            <a:normAutofit/>
+          </a:bodyPr>
+          <a:lstStyle/>
+          <a:p>
+            <a:pPr indent="-228600">
+              <a:lnSpc>
+                <a:spcPct val="90000"/>
+              </a:lnSpc>
+              <a:spcAft>
+                <a:spcPts val="600"/>
+              </a:spcAft>
+              <a:buFont typeface="Arial"/>
+              <a:buChar char="•"/>
+            </a:pPr>
+            <a:r>
+              <a:rPr lang="en-US" sz="2800" dirty="0">
+                <a:latin typeface="Source Sans Pro" charset="0"/>
+                <a:hlinkClick r:id="rId2"/>
+              </a:rPr>
+              <a:t>https://create.kahoot.it/details/12b747eb-4371-436c-ae50-256504afd3ca</a:t>
+            </a:r>
+            <a:endParaRPr lang="en-US" sz="2800" dirty="0">
+              <a:latin typeface="Source Sans Pro" charset="0"/>
+            </a:endParaRPr>
+          </a:p>
+        </p:txBody>
+      </p:sp>
+      <p:pic>
+        <p:nvPicPr>
+          <p:cNvPr id="2050" name="Picture 2" descr="Kahoot! Logo and symbol, meaning, history, PNG, brand">
+            <a:extLst>
+              <a:ext uri="{FF2B5EF4-FFF2-40B4-BE49-F238E27FC236}">
+                <a16:creationId xmlns:a16="http://schemas.microsoft.com/office/drawing/2014/main" id="{59AF5912-8423-A7A6-4790-CA5A9A8B06ED}"/>
+              </a:ext>
+            </a:extLst>
+          </p:cNvPr>
+          <p:cNvPicPr>
+            <a:picLocks noChangeAspect="1" noChangeArrowheads="1"/>
+          </p:cNvPicPr>
+          <p:nvPr/>
+        </p:nvPicPr>
+        <p:blipFill>
+          <a:blip r:embed="rId3">
+            <a:extLst>
+              <a:ext uri="{28A0092B-C50C-407E-A947-70E740481C1C}">
+                <a14:useLocalDpi xmlns:a14="http://schemas.microsoft.com/office/drawing/2010/main" val="0"/>
+              </a:ext>
+            </a:extLst>
+          </a:blip>
+          <a:stretch>
+            <a:fillRect/>
+          </a:stretch>
+        </p:blipFill>
+        <p:spPr bwMode="auto">
+          <a:xfrm>
+            <a:off x="6172200" y="2155560"/>
+            <a:ext cx="5181600" cy="2914650"/>
+          </a:xfrm>
+          <a:prstGeom prst="rect">
+            <a:avLst/>
+          </a:prstGeom>
+          <a:noFill/>
+          <a:extLst>
+            <a:ext uri="{909E8E84-426E-40DD-AFC4-6F175D3DCCD1}">
+              <a14:hiddenFill xmlns:a14="http://schemas.microsoft.com/office/drawing/2010/main">
+                <a:solidFill>
+                  <a:srgbClr val="FFFFFF"/>
+                </a:solidFill>
+              </a14:hiddenFill>
+            </a:ext>
+          </a:extLst>
+        </p:spPr>
+      </p:pic>
+    </p:spTree>
+    <p:extLst>
+      <p:ext uri="{BB962C8B-B14F-4D97-AF65-F5344CB8AC3E}">
+        <p14:creationId xmlns:p14="http://schemas.microsoft.com/office/powerpoint/2010/main" val="4041422668"/>
+      </p:ext>
+    </p:extLst>
+  </p:cSld>
+  <p:clrMapOvr>
+    <a:masterClrMapping/>
+  </p:clrMapOvr>
+</p:sld>
+</file>
+
+<file path=ppt/slides/slide12.xml><?xml version="1.0" encoding="utf-8"?>
+<p:sld xmlns:a="http://schemas.openxmlformats.org/drawingml/2006/main" xmlns:r="http://schemas.openxmlformats.org/officeDocument/2006/relationships" xmlns:p="http://schemas.openxmlformats.org/presentationml/2006/main">
+  <p:cSld>
+    <p:spTree>
+      <p:nvGrpSpPr>
+        <p:cNvPr id="1" name=""/>
+        <p:cNvGrpSpPr/>
+        <p:nvPr/>
+      </p:nvGrpSpPr>
+      <p:grpSpPr>
+        <a:xfrm>
+          <a:off x="0" y="0"/>
+          <a:ext cx="0" cy="0"/>
+          <a:chOff x="0" y="0"/>
+          <a:chExt cx="0" cy="0"/>
+        </a:xfrm>
+      </p:grpSpPr>
+      <p:sp>
+        <p:nvSpPr>
+          <p:cNvPr id="2" name="Title 1">
+            <a:extLst>
+              <a:ext uri="{FF2B5EF4-FFF2-40B4-BE49-F238E27FC236}">
+                <a16:creationId xmlns:a16="http://schemas.microsoft.com/office/drawing/2014/main" id="{C2F72965-FC77-C54C-9CB4-A6CEB58EA0B8}"/>
+              </a:ext>
+            </a:extLst>
+          </p:cNvPr>
+          <p:cNvSpPr>
+            <a:spLocks noGrp="1"/>
+          </p:cNvSpPr>
+          <p:nvPr>
+            <p:ph type="title"/>
+          </p:nvPr>
+        </p:nvSpPr>
+        <p:spPr/>
+        <p:txBody>
+          <a:bodyPr/>
+          <a:lstStyle/>
+          <a:p>
+            <a:pPr algn="ctr"/>
+            <a:r>
+              <a:rPr lang="en-US" dirty="0"/>
+              <a:t>Next Class</a:t>
+            </a:r>
+          </a:p>
+        </p:txBody>
+      </p:sp>
+      <p:sp>
+        <p:nvSpPr>
+          <p:cNvPr id="5" name="TextBox 4">
+            <a:extLst>
+              <a:ext uri="{FF2B5EF4-FFF2-40B4-BE49-F238E27FC236}">
+                <a16:creationId xmlns:a16="http://schemas.microsoft.com/office/drawing/2014/main" id="{247C7803-34AE-7E4E-94A3-3780AE11490C}"/>
+              </a:ext>
+            </a:extLst>
+          </p:cNvPr>
+          <p:cNvSpPr txBox="1"/>
+          <p:nvPr/>
+        </p:nvSpPr>
+        <p:spPr>
+          <a:xfrm>
+            <a:off x="838200" y="1825449"/>
+            <a:ext cx="5724644" cy="1200329"/>
+          </a:xfrm>
+          <a:prstGeom prst="rect">
+            <a:avLst/>
+          </a:prstGeom>
+          <a:noFill/>
+        </p:spPr>
+        <p:txBody>
+          <a:bodyPr wrap="none" rtlCol="0">
+            <a:spAutoFit/>
+          </a:bodyPr>
+          <a:lstStyle/>
+          <a:p>
+            <a:r>
+              <a:rPr lang="en-US" dirty="0">
+                <a:latin typeface="Source Sans Pro" panose="020B0503030403020204" pitchFamily="34" charset="0"/>
+                <a:ea typeface="Source Sans Pro" panose="020B0503030403020204" pitchFamily="34" charset="0"/>
+              </a:rPr>
+              <a:t>To-do List:</a:t>
+            </a:r>
+          </a:p>
+          <a:p>
+            <a:pPr marL="342900" indent="-342900">
+              <a:buFont typeface="Arial" panose="020B0604020202020204" pitchFamily="34" charset="0"/>
+              <a:buChar char="•"/>
+            </a:pPr>
+            <a:r>
+              <a:rPr lang="en-US" dirty="0">
+                <a:latin typeface="Source Sans Pro" panose="020B0503030403020204" pitchFamily="34" charset="0"/>
+                <a:ea typeface="Source Sans Pro" panose="020B0503030403020204" pitchFamily="34" charset="0"/>
+              </a:rPr>
+              <a:t>Fresh Sushi Excel (Due before next class)</a:t>
+            </a:r>
+          </a:p>
+          <a:p>
+            <a:pPr marL="342900" indent="-342900">
+              <a:buFont typeface="Arial" panose="020B0604020202020204" pitchFamily="34" charset="0"/>
+              <a:buChar char="•"/>
+            </a:pPr>
+            <a:r>
+              <a:rPr lang="en-US" dirty="0">
+                <a:latin typeface="Source Sans Pro" panose="020B0503030403020204" pitchFamily="34" charset="0"/>
+                <a:ea typeface="Source Sans Pro" panose="020B0503030403020204" pitchFamily="34" charset="0"/>
+              </a:rPr>
+              <a:t>Email me for questions at </a:t>
+            </a:r>
+            <a:r>
+              <a:rPr lang="en-US" dirty="0">
+                <a:latin typeface="Source Sans Pro" panose="020B0503030403020204" pitchFamily="34" charset="0"/>
+                <a:ea typeface="Source Sans Pro" panose="020B0503030403020204" pitchFamily="34" charset="0"/>
+                <a:hlinkClick r:id="rId2"/>
+              </a:rPr>
+              <a:t>mulyono@go.byuh.edu</a:t>
+            </a:r>
+            <a:r>
+              <a:rPr lang="en-US" dirty="0">
+                <a:latin typeface="Source Sans Pro" panose="020B0503030403020204" pitchFamily="34" charset="0"/>
+                <a:ea typeface="Source Sans Pro" panose="020B0503030403020204" pitchFamily="34" charset="0"/>
+              </a:rPr>
+              <a:t>	</a:t>
+            </a:r>
+          </a:p>
+          <a:p>
+            <a:pPr marL="342900" indent="-342900">
+              <a:buFont typeface="Arial" panose="020B0604020202020204" pitchFamily="34" charset="0"/>
+              <a:buChar char="•"/>
+            </a:pPr>
+            <a:r>
+              <a:rPr lang="en-US" dirty="0">
+                <a:latin typeface="Source Sans Pro" panose="020B0503030403020204" pitchFamily="34" charset="0"/>
+                <a:ea typeface="Source Sans Pro" panose="020B0503030403020204" pitchFamily="34" charset="0"/>
+              </a:rPr>
+              <a:t>Add me on </a:t>
+            </a:r>
+            <a:r>
+              <a:rPr lang="en-US" dirty="0" err="1">
+                <a:latin typeface="Source Sans Pro" panose="020B0503030403020204" pitchFamily="34" charset="0"/>
+                <a:ea typeface="Source Sans Pro" panose="020B0503030403020204" pitchFamily="34" charset="0"/>
+              </a:rPr>
+              <a:t>LinkedId</a:t>
+            </a:r>
+            <a:r>
+              <a:rPr lang="en-US" dirty="0">
+                <a:latin typeface="Source Sans Pro" panose="020B0503030403020204" pitchFamily="34" charset="0"/>
+                <a:ea typeface="Source Sans Pro" panose="020B0503030403020204" pitchFamily="34" charset="0"/>
+              </a:rPr>
+              <a:t> at </a:t>
+            </a:r>
+            <a:r>
+              <a:rPr lang="en-US" dirty="0">
+                <a:latin typeface="Source Sans Pro" panose="020B0503030403020204" pitchFamily="34" charset="0"/>
+                <a:ea typeface="Source Sans Pro" panose="020B0503030403020204" pitchFamily="34" charset="0"/>
+                <a:hlinkClick r:id="rId3"/>
+              </a:rPr>
+              <a:t>linkedin.com/in/ckkusuma/</a:t>
+            </a:r>
+            <a:r>
+              <a:rPr lang="en-US" dirty="0">
+                <a:latin typeface="Source Sans Pro" panose="020B0503030403020204" pitchFamily="34" charset="0"/>
+                <a:ea typeface="Source Sans Pro" panose="020B0503030403020204" pitchFamily="34" charset="0"/>
+              </a:rPr>
+              <a:t>	</a:t>
+            </a:r>
+          </a:p>
+        </p:txBody>
+      </p:sp>
+    </p:spTree>
+    <p:extLst>
+      <p:ext uri="{BB962C8B-B14F-4D97-AF65-F5344CB8AC3E}">
+        <p14:creationId xmlns:p14="http://schemas.microsoft.com/office/powerpoint/2010/main" val="1412159718"/>
+      </p:ext>
+    </p:extLst>
+  </p:cSld>
+  <p:clrMapOvr>
+    <a:masterClrMapping/>
+  </p:clrMapOvr>
+</p:sld>
+</file>
+
 <file path=ppt/slides/slide2.xml><?xml version="1.0" encoding="utf-8"?>
 <p:sld xmlns:a="http://schemas.openxmlformats.org/drawingml/2006/main" xmlns:r="http://schemas.openxmlformats.org/officeDocument/2006/relationships" xmlns:p="http://schemas.openxmlformats.org/presentationml/2006/main">
   <p:cSld>
@@ -5081,8 +5500,8 @@
         </p:nvSpPr>
         <p:spPr>
           <a:xfrm>
-            <a:off x="3196844" y="1184588"/>
-            <a:ext cx="2557110" cy="1200329"/>
+            <a:off x="3204824" y="1498015"/>
+            <a:ext cx="4507965" cy="1200329"/>
           </a:xfrm>
           <a:prstGeom prst="rect">
             <a:avLst/>
@@ -5118,77 +5537,16 @@
                 <a:latin typeface="Source Sans Pro" panose="020B0503030403020204" pitchFamily="34" charset="0"/>
                 <a:ea typeface="Source Sans Pro" panose="020B0503030403020204" pitchFamily="34" charset="0"/>
               </a:rPr>
-              <a:t>Call Me: Brother Kusuma</a:t>
-            </a:r>
-          </a:p>
-          <a:p>
-            <a:endParaRPr lang="en-US" dirty="0">
-              <a:latin typeface="Source Sans Pro" panose="020B0503030403020204" pitchFamily="34" charset="0"/>
-              <a:ea typeface="Source Sans Pro" panose="020B0503030403020204" pitchFamily="34" charset="0"/>
-            </a:endParaRPr>
-          </a:p>
-        </p:txBody>
-      </p:sp>
-      <p:sp>
-        <p:nvSpPr>
-          <p:cNvPr id="7" name="TextBox 6">
-            <a:extLst>
-              <a:ext uri="{FF2B5EF4-FFF2-40B4-BE49-F238E27FC236}">
-                <a16:creationId xmlns:a16="http://schemas.microsoft.com/office/drawing/2014/main" id="{89B75681-E32D-0B49-85DB-5586153286FD}"/>
-              </a:ext>
-            </a:extLst>
-          </p:cNvPr>
-          <p:cNvSpPr txBox="1"/>
-          <p:nvPr/>
-        </p:nvSpPr>
-        <p:spPr>
-          <a:xfrm>
-            <a:off x="3196844" y="2384917"/>
-            <a:ext cx="5493170" cy="923330"/>
-          </a:xfrm>
-          <a:prstGeom prst="rect">
-            <a:avLst/>
-          </a:prstGeom>
-          <a:noFill/>
-        </p:spPr>
-        <p:txBody>
-          <a:bodyPr wrap="none" rtlCol="0">
-            <a:spAutoFit/>
-          </a:bodyPr>
-          <a:lstStyle/>
-          <a:p>
-            <a:r>
-              <a:rPr lang="en-US" b="1" u="sng" dirty="0">
-                <a:latin typeface="Source Sans Pro" panose="020B0503030403020204" pitchFamily="34" charset="0"/>
-                <a:ea typeface="Source Sans Pro" panose="020B0503030403020204" pitchFamily="34" charset="0"/>
-              </a:rPr>
-              <a:t>Education:</a:t>
-            </a:r>
-          </a:p>
-          <a:p>
-            <a:pPr marL="285750" indent="-285750">
-              <a:buFontTx/>
-              <a:buChar char="-"/>
-            </a:pPr>
+              <a:t>Master: University of Utah</a:t>
+            </a:r>
+          </a:p>
+          <a:p>
             <a:r>
               <a:rPr lang="en-US" dirty="0">
                 <a:latin typeface="Source Sans Pro" panose="020B0503030403020204" pitchFamily="34" charset="0"/>
                 <a:ea typeface="Source Sans Pro" panose="020B0503030403020204" pitchFamily="34" charset="0"/>
               </a:rPr>
-              <a:t>Bachelor in Business &amp; Hospitality from BYU-H</a:t>
-            </a:r>
-          </a:p>
-          <a:p>
-            <a:pPr marL="285750" indent="-285750">
-              <a:buFontTx/>
-              <a:buChar char="-"/>
-            </a:pPr>
-            <a:r>
-              <a:rPr lang="en-US" dirty="0">
-                <a:latin typeface="Source Sans Pro" panose="020B0503030403020204" pitchFamily="34" charset="0"/>
-                <a:ea typeface="Source Sans Pro" panose="020B0503030403020204" pitchFamily="34" charset="0"/>
-              </a:rPr>
-              <a:t>Master in Business Analytics from University of Utah</a:t>
+              <a:t>Bachelor: Brigham Young University – Hawaii</a:t>
             </a:r>
           </a:p>
         </p:txBody>
@@ -5222,7 +5580,7 @@
         </p:blipFill>
         <p:spPr bwMode="auto">
           <a:xfrm>
-            <a:off x="8813032" y="488767"/>
+            <a:off x="8813032" y="1932936"/>
             <a:ext cx="2857500" cy="2018496"/>
           </a:xfrm>
           <a:prstGeom prst="rect">
@@ -5254,8 +5612,8 @@
         </p:nvSpPr>
         <p:spPr>
           <a:xfrm>
-            <a:off x="3196844" y="3595921"/>
-            <a:ext cx="5445722" cy="1754326"/>
+            <a:off x="3204824" y="3605659"/>
+            <a:ext cx="5782352" cy="1754326"/>
           </a:xfrm>
           <a:prstGeom prst="rect">
             <a:avLst/>
@@ -5273,7 +5631,7 @@
                 <a:latin typeface="Source Sans Pro" panose="020B0503030403020204" pitchFamily="34" charset="0"/>
                 <a:ea typeface="Source Sans Pro" panose="020B0503030403020204" pitchFamily="34" charset="0"/>
               </a:rPr>
-              <a:t>Teaching Experience:</a:t>
+              <a:t>Analytics:</a:t>
             </a:r>
           </a:p>
           <a:p>
@@ -5286,7 +5644,21 @@
                 <a:latin typeface="Source Sans Pro" panose="020B0503030403020204" pitchFamily="34" charset="0"/>
                 <a:ea typeface="Source Sans Pro" panose="020B0503030403020204" pitchFamily="34" charset="0"/>
               </a:rPr>
-              <a:t>Adjunct Faculty at BYU-H</a:t>
+              <a:t>Harness the power of data to </a:t>
+            </a:r>
+            <a:r>
+              <a:rPr lang="en-US" u="sng" dirty="0">
+                <a:latin typeface="Source Sans Pro" panose="020B0503030403020204" pitchFamily="34" charset="0"/>
+                <a:ea typeface="Source Sans Pro" panose="020B0503030403020204" pitchFamily="34" charset="0"/>
+              </a:rPr>
+              <a:t>SOLVE</a:t>
+            </a:r>
+            <a:r>
+              <a:rPr lang="en-US" dirty="0">
+                <a:latin typeface="Source Sans Pro" panose="020B0503030403020204" pitchFamily="34" charset="0"/>
+                <a:ea typeface="Source Sans Pro" panose="020B0503030403020204" pitchFamily="34" charset="0"/>
+              </a:rPr>
+              <a:t> business problems</a:t>
             </a:r>
           </a:p>
           <a:p>
@@ -5407,84 +5779,666 @@
           <a:chExt cx="0" cy="0"/>
         </a:xfrm>
       </p:grpSpPr>
-      <p:sp>
-        <p:nvSpPr>
-          <p:cNvPr id="2" name="Title 1">
+      <p:pic>
+        <p:nvPicPr>
+          <p:cNvPr id="5" name="Picture 4" descr="Logo&#10;&#10;Description automatically generated with medium confidence">
             <a:extLst>
               <a:ext uri="{FF2B5EF4-FFF2-40B4-BE49-F238E27FC236}">
-                <a16:creationId xmlns:a16="http://schemas.microsoft.com/office/drawing/2014/main" id="{EB004440-692A-E649-FE3E-2314F971FB23}"/>
+                <a16:creationId xmlns:a16="http://schemas.microsoft.com/office/drawing/2014/main" id="{D196FDA4-C250-3308-F30E-D5E44D26B990}"/>
               </a:ext>
             </a:extLst>
           </p:cNvPr>
-          <p:cNvSpPr>
-            <a:spLocks noGrp="1"/>
-          </p:cNvSpPr>
-          <p:nvPr>
-            <p:ph type="title"/>
-          </p:nvPr>
-        </p:nvSpPr>
-        <p:spPr/>
-        <p:txBody>
-          <a:bodyPr/>
-          <a:lstStyle/>
-          <a:p>
-            <a:r>
-              <a:rPr lang="en-US" dirty="0"/>
-              <a:t>Introduce Yourself</a:t>
-            </a:r>
-          </a:p>
-        </p:txBody>
-      </p:sp>
-      <p:sp>
-        <p:nvSpPr>
-          <p:cNvPr id="3" name="Content Placeholder 2">
+          <p:cNvPicPr>
+            <a:picLocks noChangeAspect="1"/>
+          </p:cNvPicPr>
+          <p:nvPr/>
+        </p:nvPicPr>
+        <p:blipFill>
+          <a:blip r:embed="rId2"/>
+          <a:stretch>
+            <a:fillRect/>
+          </a:stretch>
+        </p:blipFill>
+        <p:spPr>
+          <a:xfrm>
+            <a:off x="191756" y="213506"/>
+            <a:ext cx="3771900" cy="1572470"/>
+          </a:xfrm>
+          <a:prstGeom prst="rect">
+            <a:avLst/>
+          </a:prstGeom>
+          <a:ln>
+            <a:noFill/>
+          </a:ln>
+          <a:effectLst>
+            <a:outerShdw blurRad="292100" dist="139700" dir="2700000" algn="tl" rotWithShape="0">
+              <a:srgbClr val="333333">
+                <a:alpha val="65000"/>
+              </a:srgbClr>
+            </a:outerShdw>
+          </a:effectLst>
+        </p:spPr>
+      </p:pic>
+      <p:pic>
+        <p:nvPicPr>
+          <p:cNvPr id="6" name="Picture 2" descr="Domo, Inc - - Domo, HD Png Download , Transparent Png Image - PNGitem">
             <a:extLst>
               <a:ext uri="{FF2B5EF4-FFF2-40B4-BE49-F238E27FC236}">
-                <a16:creationId xmlns:a16="http://schemas.microsoft.com/office/drawing/2014/main" id="{BA62B78A-F76D-200F-144F-EABFC070C858}"/>
+                <a16:creationId xmlns:a16="http://schemas.microsoft.com/office/drawing/2014/main" id="{3585D20F-70A6-C16F-B619-6372951E9FA5}"/>
               </a:ext>
             </a:extLst>
           </p:cNvPr>
-          <p:cNvSpPr>
-            <a:spLocks noGrp="1"/>
-          </p:cNvSpPr>
-          <p:nvPr>
-            <p:ph idx="1"/>
-          </p:nvPr>
-        </p:nvSpPr>
-        <p:spPr/>
-        <p:txBody>
-          <a:bodyPr/>
-          <a:lstStyle/>
-          <a:p>
-            <a:pPr marL="514350" indent="-514350">
-              <a:buAutoNum type="arabicPeriod"/>
-            </a:pPr>
-            <a:r>
-              <a:rPr lang="en-US" dirty="0"/>
-              <a:t>What is your name?</a:t>
-            </a:r>
-          </a:p>
-          <a:p>
-            <a:pPr marL="514350" indent="-514350">
-              <a:buAutoNum type="arabicPeriod"/>
-            </a:pPr>
-            <a:endParaRPr lang="en-US" dirty="0"/>
-          </a:p>
-          <a:p>
-            <a:pPr marL="514350" indent="-514350">
-              <a:buAutoNum type="arabicPeriod"/>
-            </a:pPr>
-            <a:r>
-              <a:rPr lang="en-US" dirty="0"/>
-              <a:t>Where are you from?</a:t>
-            </a:r>
-          </a:p>
-        </p:txBody>
-      </p:sp>
+          <p:cNvPicPr>
+            <a:picLocks noChangeAspect="1" noChangeArrowheads="1"/>
+          </p:cNvPicPr>
+          <p:nvPr/>
+        </p:nvPicPr>
+        <p:blipFill>
+          <a:blip r:embed="rId3">
+            <a:extLst>
+              <a:ext uri="{28A0092B-C50C-407E-A947-70E740481C1C}">
+                <a14:useLocalDpi xmlns:a14="http://schemas.microsoft.com/office/drawing/2010/main" val="0"/>
+              </a:ext>
+            </a:extLst>
+          </a:blip>
+          <a:srcRect/>
+          <a:stretch>
+            <a:fillRect/>
+          </a:stretch>
+        </p:blipFill>
+        <p:spPr bwMode="auto">
+          <a:xfrm>
+            <a:off x="191756" y="1965643"/>
+            <a:ext cx="3771900" cy="1609234"/>
+          </a:xfrm>
+          <a:prstGeom prst="rect">
+            <a:avLst/>
+          </a:prstGeom>
+          <a:ln>
+            <a:noFill/>
+          </a:ln>
+          <a:effectLst>
+            <a:outerShdw blurRad="292100" dist="139700" dir="2700000" algn="tl" rotWithShape="0">
+              <a:srgbClr val="333333">
+                <a:alpha val="65000"/>
+              </a:srgbClr>
+            </a:outerShdw>
+          </a:effectLst>
+          <a:extLst>
+            <a:ext uri="{909E8E84-426E-40DD-AFC4-6F175D3DCCD1}">
+              <a14:hiddenFill xmlns:a14="http://schemas.microsoft.com/office/drawing/2010/main">
+                <a:solidFill>
+                  <a:srgbClr val="FFFFFF"/>
+                </a:solidFill>
+              </a14:hiddenFill>
+            </a:ext>
+          </a:extLst>
+        </p:spPr>
+      </p:pic>
+      <p:pic>
+        <p:nvPicPr>
+          <p:cNvPr id="2050" name="Picture 2" descr="10% Off Polynesian Cultural Center Promo Code, Coupons 2023">
+            <a:extLst>
+              <a:ext uri="{FF2B5EF4-FFF2-40B4-BE49-F238E27FC236}">
+                <a16:creationId xmlns:a16="http://schemas.microsoft.com/office/drawing/2014/main" id="{ADAC1839-D28E-CDC9-EFFA-42A6BF4EADF9}"/>
+              </a:ext>
+            </a:extLst>
+          </p:cNvPr>
+          <p:cNvPicPr>
+            <a:picLocks noChangeAspect="1" noChangeArrowheads="1"/>
+          </p:cNvPicPr>
+          <p:nvPr/>
+        </p:nvPicPr>
+        <p:blipFill>
+          <a:blip r:embed="rId4">
+            <a:extLst>
+              <a:ext uri="{28A0092B-C50C-407E-A947-70E740481C1C}">
+                <a14:useLocalDpi xmlns:a14="http://schemas.microsoft.com/office/drawing/2010/main" val="0"/>
+              </a:ext>
+            </a:extLst>
+          </a:blip>
+          <a:srcRect/>
+          <a:stretch>
+            <a:fillRect/>
+          </a:stretch>
+        </p:blipFill>
+        <p:spPr bwMode="auto">
+          <a:xfrm>
+            <a:off x="191756" y="3754544"/>
+            <a:ext cx="3771900" cy="1609090"/>
+          </a:xfrm>
+          <a:prstGeom prst="rect">
+            <a:avLst/>
+          </a:prstGeom>
+          <a:ln>
+            <a:noFill/>
+          </a:ln>
+          <a:effectLst>
+            <a:outerShdw blurRad="292100" dist="139700" dir="2700000" algn="tl" rotWithShape="0">
+              <a:srgbClr val="333333">
+                <a:alpha val="65000"/>
+              </a:srgbClr>
+            </a:outerShdw>
+          </a:effectLst>
+          <a:extLst>
+            <a:ext uri="{909E8E84-426E-40DD-AFC4-6F175D3DCCD1}">
+              <a14:hiddenFill xmlns:a14="http://schemas.microsoft.com/office/drawing/2010/main">
+                <a:solidFill>
+                  <a:srgbClr val="FFFFFF"/>
+                </a:solidFill>
+              </a14:hiddenFill>
+            </a:ext>
+          </a:extLst>
+        </p:spPr>
+      </p:pic>
+      <p:pic>
+        <p:nvPicPr>
+          <p:cNvPr id="2052" name="Picture 4" descr="University of Utah | PAIR">
+            <a:extLst>
+              <a:ext uri="{FF2B5EF4-FFF2-40B4-BE49-F238E27FC236}">
+                <a16:creationId xmlns:a16="http://schemas.microsoft.com/office/drawing/2014/main" id="{923BBC77-2E0E-E2F8-0CBD-24A20FF862BB}"/>
+              </a:ext>
+            </a:extLst>
+          </p:cNvPr>
+          <p:cNvPicPr>
+            <a:picLocks noChangeAspect="1" noChangeArrowheads="1"/>
+          </p:cNvPicPr>
+          <p:nvPr/>
+        </p:nvPicPr>
+        <p:blipFill>
+          <a:blip r:embed="rId5">
+            <a:extLst>
+              <a:ext uri="{28A0092B-C50C-407E-A947-70E740481C1C}">
+                <a14:useLocalDpi xmlns:a14="http://schemas.microsoft.com/office/drawing/2010/main" val="0"/>
+              </a:ext>
+            </a:extLst>
+          </a:blip>
+          <a:srcRect/>
+          <a:stretch>
+            <a:fillRect/>
+          </a:stretch>
+        </p:blipFill>
+        <p:spPr bwMode="auto">
+          <a:xfrm>
+            <a:off x="9943575" y="2011336"/>
+            <a:ext cx="1855399" cy="1855399"/>
+          </a:xfrm>
+          <a:prstGeom prst="rect">
+            <a:avLst/>
+          </a:prstGeom>
+          <a:ln>
+            <a:noFill/>
+          </a:ln>
+          <a:effectLst>
+            <a:outerShdw blurRad="292100" dist="139700" dir="2700000" algn="tl" rotWithShape="0">
+              <a:srgbClr val="333333">
+                <a:alpha val="65000"/>
+              </a:srgbClr>
+            </a:outerShdw>
+          </a:effectLst>
+          <a:extLst>
+            <a:ext uri="{909E8E84-426E-40DD-AFC4-6F175D3DCCD1}">
+              <a14:hiddenFill xmlns:a14="http://schemas.microsoft.com/office/drawing/2010/main">
+                <a:solidFill>
+                  <a:srgbClr val="FFFFFF"/>
+                </a:solidFill>
+              </a14:hiddenFill>
+            </a:ext>
+          </a:extLst>
+        </p:spPr>
+      </p:pic>
+      <p:pic>
+        <p:nvPicPr>
+          <p:cNvPr id="2054" name="Picture 6" descr="Colorado State University – Logos Download">
+            <a:extLst>
+              <a:ext uri="{FF2B5EF4-FFF2-40B4-BE49-F238E27FC236}">
+                <a16:creationId xmlns:a16="http://schemas.microsoft.com/office/drawing/2014/main" id="{FAAF3ADF-5987-22CF-51DC-701E789DD1B9}"/>
+              </a:ext>
+            </a:extLst>
+          </p:cNvPr>
+          <p:cNvPicPr>
+            <a:picLocks noChangeAspect="1" noChangeArrowheads="1"/>
+          </p:cNvPicPr>
+          <p:nvPr/>
+        </p:nvPicPr>
+        <p:blipFill>
+          <a:blip r:embed="rId6">
+            <a:extLst>
+              <a:ext uri="{28A0092B-C50C-407E-A947-70E740481C1C}">
+                <a14:useLocalDpi xmlns:a14="http://schemas.microsoft.com/office/drawing/2010/main" val="0"/>
+              </a:ext>
+            </a:extLst>
+          </a:blip>
+          <a:srcRect/>
+          <a:stretch>
+            <a:fillRect/>
+          </a:stretch>
+        </p:blipFill>
+        <p:spPr bwMode="auto">
+          <a:xfrm>
+            <a:off x="7433754" y="2158123"/>
+            <a:ext cx="1631950" cy="2037908"/>
+          </a:xfrm>
+          <a:prstGeom prst="rect">
+            <a:avLst/>
+          </a:prstGeom>
+          <a:ln>
+            <a:noFill/>
+          </a:ln>
+          <a:effectLst>
+            <a:outerShdw blurRad="292100" dist="139700" dir="2700000" algn="tl" rotWithShape="0">
+              <a:srgbClr val="333333">
+                <a:alpha val="65000"/>
+              </a:srgbClr>
+            </a:outerShdw>
+          </a:effectLst>
+          <a:extLst>
+            <a:ext uri="{909E8E84-426E-40DD-AFC4-6F175D3DCCD1}">
+              <a14:hiddenFill xmlns:a14="http://schemas.microsoft.com/office/drawing/2010/main">
+                <a:solidFill>
+                  <a:srgbClr val="FFFFFF"/>
+                </a:solidFill>
+              </a14:hiddenFill>
+            </a:ext>
+          </a:extLst>
+        </p:spPr>
+      </p:pic>
+      <p:pic>
+        <p:nvPicPr>
+          <p:cNvPr id="2056" name="Picture 8" descr="CBRE (@CBRE) / Twitter">
+            <a:extLst>
+              <a:ext uri="{FF2B5EF4-FFF2-40B4-BE49-F238E27FC236}">
+                <a16:creationId xmlns:a16="http://schemas.microsoft.com/office/drawing/2014/main" id="{0B33D3BA-966C-9C02-F9B9-4F813CA678D0}"/>
+              </a:ext>
+            </a:extLst>
+          </p:cNvPr>
+          <p:cNvPicPr>
+            <a:picLocks noChangeAspect="1" noChangeArrowheads="1"/>
+          </p:cNvPicPr>
+          <p:nvPr/>
+        </p:nvPicPr>
+        <p:blipFill>
+          <a:blip r:embed="rId7">
+            <a:extLst>
+              <a:ext uri="{28A0092B-C50C-407E-A947-70E740481C1C}">
+                <a14:useLocalDpi xmlns:a14="http://schemas.microsoft.com/office/drawing/2010/main" val="0"/>
+              </a:ext>
+            </a:extLst>
+          </a:blip>
+          <a:srcRect/>
+          <a:stretch>
+            <a:fillRect/>
+          </a:stretch>
+        </p:blipFill>
+        <p:spPr bwMode="auto">
+          <a:xfrm>
+            <a:off x="4797272" y="3919548"/>
+            <a:ext cx="1609234" cy="1609234"/>
+          </a:xfrm>
+          <a:prstGeom prst="rect">
+            <a:avLst/>
+          </a:prstGeom>
+          <a:ln>
+            <a:noFill/>
+          </a:ln>
+          <a:effectLst>
+            <a:outerShdw blurRad="292100" dist="139700" dir="2700000" algn="tl" rotWithShape="0">
+              <a:srgbClr val="333333">
+                <a:alpha val="65000"/>
+              </a:srgbClr>
+            </a:outerShdw>
+          </a:effectLst>
+          <a:extLst>
+            <a:ext uri="{909E8E84-426E-40DD-AFC4-6F175D3DCCD1}">
+              <a14:hiddenFill xmlns:a14="http://schemas.microsoft.com/office/drawing/2010/main">
+                <a:solidFill>
+                  <a:srgbClr val="FFFFFF"/>
+                </a:solidFill>
+              </a14:hiddenFill>
+            </a:ext>
+          </a:extLst>
+        </p:spPr>
+      </p:pic>
+      <p:pic>
+        <p:nvPicPr>
+          <p:cNvPr id="2058" name="Picture 10" descr="Hana Innovation Partners' unveils meeting guide to prepare for in-person  meetings - AVNation TV">
+            <a:extLst>
+              <a:ext uri="{FF2B5EF4-FFF2-40B4-BE49-F238E27FC236}">
+                <a16:creationId xmlns:a16="http://schemas.microsoft.com/office/drawing/2014/main" id="{2E441D36-2349-DEBD-9652-BA326BAD395A}"/>
+              </a:ext>
+            </a:extLst>
+          </p:cNvPr>
+          <p:cNvPicPr>
+            <a:picLocks noChangeAspect="1" noChangeArrowheads="1"/>
+          </p:cNvPicPr>
+          <p:nvPr/>
+        </p:nvPicPr>
+        <p:blipFill>
+          <a:blip r:embed="rId8">
+            <a:extLst>
+              <a:ext uri="{28A0092B-C50C-407E-A947-70E740481C1C}">
+                <a14:useLocalDpi xmlns:a14="http://schemas.microsoft.com/office/drawing/2010/main" val="0"/>
+              </a:ext>
+            </a:extLst>
+          </a:blip>
+          <a:srcRect/>
+          <a:stretch>
+            <a:fillRect/>
+          </a:stretch>
+        </p:blipFill>
+        <p:spPr bwMode="auto">
+          <a:xfrm>
+            <a:off x="6948855" y="4502522"/>
+            <a:ext cx="2674620" cy="941070"/>
+          </a:xfrm>
+          <a:prstGeom prst="rect">
+            <a:avLst/>
+          </a:prstGeom>
+          <a:ln>
+            <a:noFill/>
+          </a:ln>
+          <a:effectLst>
+            <a:outerShdw blurRad="292100" dist="139700" dir="2700000" algn="tl" rotWithShape="0">
+              <a:srgbClr val="333333">
+                <a:alpha val="65000"/>
+              </a:srgbClr>
+            </a:outerShdw>
+          </a:effectLst>
+          <a:extLst>
+            <a:ext uri="{909E8E84-426E-40DD-AFC4-6F175D3DCCD1}">
+              <a14:hiddenFill xmlns:a14="http://schemas.microsoft.com/office/drawing/2010/main">
+                <a:solidFill>
+                  <a:srgbClr val="FFFFFF"/>
+                </a:solidFill>
+              </a14:hiddenFill>
+            </a:ext>
+          </a:extLst>
+        </p:spPr>
+      </p:pic>
+      <p:pic>
+        <p:nvPicPr>
+          <p:cNvPr id="2060" name="Picture 12" descr="Seal of Utah - Wikipedia">
+            <a:extLst>
+              <a:ext uri="{FF2B5EF4-FFF2-40B4-BE49-F238E27FC236}">
+                <a16:creationId xmlns:a16="http://schemas.microsoft.com/office/drawing/2014/main" id="{9811773E-A070-9145-04B8-9AC8251512BF}"/>
+              </a:ext>
+            </a:extLst>
+          </p:cNvPr>
+          <p:cNvPicPr>
+            <a:picLocks noChangeAspect="1" noChangeArrowheads="1"/>
+          </p:cNvPicPr>
+          <p:nvPr/>
+        </p:nvPicPr>
+        <p:blipFill>
+          <a:blip r:embed="rId9">
+            <a:extLst>
+              <a:ext uri="{28A0092B-C50C-407E-A947-70E740481C1C}">
+                <a14:useLocalDpi xmlns:a14="http://schemas.microsoft.com/office/drawing/2010/main" val="0"/>
+              </a:ext>
+            </a:extLst>
+          </a:blip>
+          <a:srcRect/>
+          <a:stretch>
+            <a:fillRect/>
+          </a:stretch>
+        </p:blipFill>
+        <p:spPr bwMode="auto">
+          <a:xfrm>
+            <a:off x="10031109" y="3997062"/>
+            <a:ext cx="1680329" cy="1687830"/>
+          </a:xfrm>
+          <a:prstGeom prst="rect">
+            <a:avLst/>
+          </a:prstGeom>
+          <a:ln>
+            <a:noFill/>
+          </a:ln>
+          <a:effectLst>
+            <a:outerShdw blurRad="292100" dist="139700" dir="2700000" algn="tl" rotWithShape="0">
+              <a:srgbClr val="333333">
+                <a:alpha val="65000"/>
+              </a:srgbClr>
+            </a:outerShdw>
+          </a:effectLst>
+          <a:extLst>
+            <a:ext uri="{909E8E84-426E-40DD-AFC4-6F175D3DCCD1}">
+              <a14:hiddenFill xmlns:a14="http://schemas.microsoft.com/office/drawing/2010/main">
+                <a:solidFill>
+                  <a:srgbClr val="FFFFFF"/>
+                </a:solidFill>
+              </a14:hiddenFill>
+            </a:ext>
+          </a:extLst>
+        </p:spPr>
+      </p:pic>
+      <p:pic>
+        <p:nvPicPr>
+          <p:cNvPr id="2062" name="Picture 14" descr="Synopsys (@Synopsys) / Twitter">
+            <a:extLst>
+              <a:ext uri="{FF2B5EF4-FFF2-40B4-BE49-F238E27FC236}">
+                <a16:creationId xmlns:a16="http://schemas.microsoft.com/office/drawing/2014/main" id="{6496464C-0647-9996-0355-93A887306AEB}"/>
+              </a:ext>
+            </a:extLst>
+          </p:cNvPr>
+          <p:cNvPicPr>
+            <a:picLocks noChangeAspect="1" noChangeArrowheads="1"/>
+          </p:cNvPicPr>
+          <p:nvPr/>
+        </p:nvPicPr>
+        <p:blipFill>
+          <a:blip r:embed="rId10">
+            <a:extLst>
+              <a:ext uri="{28A0092B-C50C-407E-A947-70E740481C1C}">
+                <a14:useLocalDpi xmlns:a14="http://schemas.microsoft.com/office/drawing/2010/main" val="0"/>
+              </a:ext>
+            </a:extLst>
+          </a:blip>
+          <a:srcRect/>
+          <a:stretch>
+            <a:fillRect/>
+          </a:stretch>
+        </p:blipFill>
+        <p:spPr bwMode="auto">
+          <a:xfrm>
+            <a:off x="7328551" y="213506"/>
+            <a:ext cx="1799590" cy="1799590"/>
+          </a:xfrm>
+          <a:prstGeom prst="rect">
+            <a:avLst/>
+          </a:prstGeom>
+          <a:ln>
+            <a:noFill/>
+          </a:ln>
+          <a:effectLst>
+            <a:outerShdw blurRad="292100" dist="139700" dir="2700000" algn="tl" rotWithShape="0">
+              <a:srgbClr val="333333">
+                <a:alpha val="65000"/>
+              </a:srgbClr>
+            </a:outerShdw>
+          </a:effectLst>
+          <a:extLst>
+            <a:ext uri="{909E8E84-426E-40DD-AFC4-6F175D3DCCD1}">
+              <a14:hiddenFill xmlns:a14="http://schemas.microsoft.com/office/drawing/2010/main">
+                <a:solidFill>
+                  <a:srgbClr val="FFFFFF"/>
+                </a:solidFill>
+              </a14:hiddenFill>
+            </a:ext>
+          </a:extLst>
+        </p:spPr>
+      </p:pic>
+      <p:pic>
+        <p:nvPicPr>
+          <p:cNvPr id="2070" name="Picture 22">
+            <a:extLst>
+              <a:ext uri="{FF2B5EF4-FFF2-40B4-BE49-F238E27FC236}">
+                <a16:creationId xmlns:a16="http://schemas.microsoft.com/office/drawing/2014/main" id="{1B639848-23DF-4394-E389-2F9133C50FBC}"/>
+              </a:ext>
+            </a:extLst>
+          </p:cNvPr>
+          <p:cNvPicPr>
+            <a:picLocks noChangeAspect="1" noChangeArrowheads="1"/>
+          </p:cNvPicPr>
+          <p:nvPr/>
+        </p:nvPicPr>
+        <p:blipFill>
+          <a:blip r:embed="rId11">
+            <a:extLst>
+              <a:ext uri="{28A0092B-C50C-407E-A947-70E740481C1C}">
+                <a14:useLocalDpi xmlns:a14="http://schemas.microsoft.com/office/drawing/2010/main" val="0"/>
+              </a:ext>
+            </a:extLst>
+          </a:blip>
+          <a:srcRect/>
+          <a:stretch>
+            <a:fillRect/>
+          </a:stretch>
+        </p:blipFill>
+        <p:spPr bwMode="auto">
+          <a:xfrm>
+            <a:off x="4797272" y="143120"/>
+            <a:ext cx="1747944" cy="1747944"/>
+          </a:xfrm>
+          <a:prstGeom prst="rect">
+            <a:avLst/>
+          </a:prstGeom>
+          <a:ln>
+            <a:noFill/>
+          </a:ln>
+          <a:effectLst>
+            <a:outerShdw blurRad="292100" dist="139700" dir="2700000" algn="tl" rotWithShape="0">
+              <a:srgbClr val="333333">
+                <a:alpha val="65000"/>
+              </a:srgbClr>
+            </a:outerShdw>
+          </a:effectLst>
+          <a:extLst>
+            <a:ext uri="{909E8E84-426E-40DD-AFC4-6F175D3DCCD1}">
+              <a14:hiddenFill xmlns:a14="http://schemas.microsoft.com/office/drawing/2010/main">
+                <a:solidFill>
+                  <a:srgbClr val="FFFFFF"/>
+                </a:solidFill>
+              </a14:hiddenFill>
+            </a:ext>
+          </a:extLst>
+        </p:spPr>
+      </p:pic>
+      <p:pic>
+        <p:nvPicPr>
+          <p:cNvPr id="2072" name="Picture 24" descr="Optum Logo and symbol, meaning, history, PNG">
+            <a:extLst>
+              <a:ext uri="{FF2B5EF4-FFF2-40B4-BE49-F238E27FC236}">
+                <a16:creationId xmlns:a16="http://schemas.microsoft.com/office/drawing/2014/main" id="{5DD7DBDB-61FC-9BD3-46BC-95F4A7E1CBF2}"/>
+              </a:ext>
+            </a:extLst>
+          </p:cNvPr>
+          <p:cNvPicPr>
+            <a:picLocks noChangeAspect="1" noChangeArrowheads="1"/>
+          </p:cNvPicPr>
+          <p:nvPr/>
+        </p:nvPicPr>
+        <p:blipFill>
+          <a:blip r:embed="rId12">
+            <a:extLst>
+              <a:ext uri="{28A0092B-C50C-407E-A947-70E740481C1C}">
+                <a14:useLocalDpi xmlns:a14="http://schemas.microsoft.com/office/drawing/2010/main" val="0"/>
+              </a:ext>
+            </a:extLst>
+          </a:blip>
+          <a:srcRect/>
+          <a:stretch>
+            <a:fillRect/>
+          </a:stretch>
+        </p:blipFill>
+        <p:spPr bwMode="auto">
+          <a:xfrm>
+            <a:off x="4549845" y="2121766"/>
+            <a:ext cx="2245528" cy="1394591"/>
+          </a:xfrm>
+          <a:prstGeom prst="rect">
+            <a:avLst/>
+          </a:prstGeom>
+          <a:ln>
+            <a:noFill/>
+          </a:ln>
+          <a:effectLst>
+            <a:outerShdw blurRad="292100" dist="139700" dir="2700000" algn="tl" rotWithShape="0">
+              <a:srgbClr val="333333">
+                <a:alpha val="65000"/>
+              </a:srgbClr>
+            </a:outerShdw>
+          </a:effectLst>
+          <a:extLst>
+            <a:ext uri="{909E8E84-426E-40DD-AFC4-6F175D3DCCD1}">
+              <a14:hiddenFill xmlns:a14="http://schemas.microsoft.com/office/drawing/2010/main">
+                <a:solidFill>
+                  <a:srgbClr val="FFFFFF"/>
+                </a:solidFill>
+              </a14:hiddenFill>
+            </a:ext>
+          </a:extLst>
+        </p:spPr>
+      </p:pic>
+      <p:pic>
+        <p:nvPicPr>
+          <p:cNvPr id="2074" name="Picture 26" descr="Sony Logo and symbol, meaning, history, PNG, brand">
+            <a:extLst>
+              <a:ext uri="{FF2B5EF4-FFF2-40B4-BE49-F238E27FC236}">
+                <a16:creationId xmlns:a16="http://schemas.microsoft.com/office/drawing/2014/main" id="{F25FB552-71EA-D25A-B66A-BEB260F24978}"/>
+              </a:ext>
+            </a:extLst>
+          </p:cNvPr>
+          <p:cNvPicPr>
+            <a:picLocks noChangeAspect="1" noChangeArrowheads="1"/>
+          </p:cNvPicPr>
+          <p:nvPr/>
+        </p:nvPicPr>
+        <p:blipFill>
+          <a:blip r:embed="rId13">
+            <a:extLst>
+              <a:ext uri="{28A0092B-C50C-407E-A947-70E740481C1C}">
+                <a14:useLocalDpi xmlns:a14="http://schemas.microsoft.com/office/drawing/2010/main" val="0"/>
+              </a:ext>
+            </a:extLst>
+          </a:blip>
+          <a:srcRect/>
+          <a:stretch>
+            <a:fillRect/>
+          </a:stretch>
+        </p:blipFill>
+        <p:spPr bwMode="auto">
+          <a:xfrm>
+            <a:off x="9623475" y="417938"/>
+            <a:ext cx="2376769" cy="1330991"/>
+          </a:xfrm>
+          <a:prstGeom prst="rect">
+            <a:avLst/>
+          </a:prstGeom>
+          <a:ln>
+            <a:noFill/>
+          </a:ln>
+          <a:effectLst>
+            <a:outerShdw blurRad="292100" dist="139700" dir="2700000" algn="tl" rotWithShape="0">
+              <a:srgbClr val="333333">
+                <a:alpha val="65000"/>
+              </a:srgbClr>
+            </a:outerShdw>
+          </a:effectLst>
+          <a:extLst>
+            <a:ext uri="{909E8E84-426E-40DD-AFC4-6F175D3DCCD1}">
+              <a14:hiddenFill xmlns:a14="http://schemas.microsoft.com/office/drawing/2010/main">
+                <a:solidFill>
+                  <a:srgbClr val="FFFFFF"/>
+                </a:solidFill>
+              </a14:hiddenFill>
+            </a:ext>
+          </a:extLst>
+        </p:spPr>
+      </p:pic>
     </p:spTree>
     <p:extLst>
       <p:ext uri="{BB962C8B-B14F-4D97-AF65-F5344CB8AC3E}">
-        <p14:creationId xmlns:p14="http://schemas.microsoft.com/office/powerpoint/2010/main" val="2702524814"/>
+        <p14:creationId xmlns:p14="http://schemas.microsoft.com/office/powerpoint/2010/main" val="4007363343"/>
       </p:ext>
     </p:extLst>
   </p:cSld>
@@ -5513,93 +6467,100 @@
       </p:grpSpPr>
       <p:sp>
         <p:nvSpPr>
-          <p:cNvPr id="4" name="Title 3"/>
-          <p:cNvSpPr>
-            <a:spLocks noGrp="1"/>
-          </p:cNvSpPr>
-          <p:nvPr>
-            <p:ph type="title"/>
-          </p:nvPr>
-        </p:nvSpPr>
-        <p:spPr>
-          <a:xfrm>
-            <a:off x="838200" y="365125"/>
-            <a:ext cx="10515600" cy="1325563"/>
-          </a:xfrm>
-        </p:spPr>
-        <p:txBody>
-          <a:bodyPr vert="horz" lIns="91440" tIns="45720" rIns="91440" bIns="45720" rtlCol="0" anchor="ctr">
-            <a:normAutofit/>
-          </a:bodyPr>
-          <a:lstStyle/>
-          <a:p>
-            <a:r>
-              <a:rPr lang="en-US" b="1" kern="1200" dirty="0">
-                <a:latin typeface="Source Sans Pro" charset="0"/>
-                <a:ea typeface="Source Sans Pro" charset="0"/>
-                <a:cs typeface="Source Sans Pro" charset="0"/>
-              </a:rPr>
-              <a:t>Let’s Do A Quick Exercise</a:t>
-            </a:r>
-          </a:p>
-        </p:txBody>
-      </p:sp>
-      <p:sp>
-        <p:nvSpPr>
-          <p:cNvPr id="2" name="TextBox 1">
+          <p:cNvPr id="2" name="Title 1">
             <a:extLst>
               <a:ext uri="{FF2B5EF4-FFF2-40B4-BE49-F238E27FC236}">
-                <a16:creationId xmlns:a16="http://schemas.microsoft.com/office/drawing/2014/main" id="{E291BC1B-B204-FD0C-41FC-1F59FE502D17}"/>
+                <a16:creationId xmlns:a16="http://schemas.microsoft.com/office/drawing/2014/main" id="{EB004440-692A-E649-FE3E-2314F971FB23}"/>
               </a:ext>
             </a:extLst>
           </p:cNvPr>
-          <p:cNvSpPr txBox="1"/>
+          <p:cNvSpPr>
+            <a:spLocks noGrp="1"/>
+          </p:cNvSpPr>
+          <p:nvPr>
+            <p:ph type="title"/>
+          </p:nvPr>
+        </p:nvSpPr>
+        <p:spPr>
+          <a:xfrm>
+            <a:off x="1046480" y="0"/>
+            <a:ext cx="8864600" cy="1325563"/>
+          </a:xfrm>
+        </p:spPr>
+        <p:txBody>
+          <a:bodyPr/>
+          <a:lstStyle/>
+          <a:p>
+            <a:pPr algn="ctr"/>
+            <a:r>
+              <a:rPr lang="en-US" dirty="0"/>
+              <a:t>Introduce Yourself</a:t>
+            </a:r>
+          </a:p>
+        </p:txBody>
+      </p:sp>
+      <p:pic>
+        <p:nvPicPr>
+          <p:cNvPr id="3074" name="Picture 2" descr="Name icon PNG and SVG Vector Free Download">
+            <a:extLst>
+              <a:ext uri="{FF2B5EF4-FFF2-40B4-BE49-F238E27FC236}">
+                <a16:creationId xmlns:a16="http://schemas.microsoft.com/office/drawing/2014/main" id="{A924CE23-14C2-2EB1-CCB4-F36EB1F615FE}"/>
+              </a:ext>
+            </a:extLst>
+          </p:cNvPr>
+          <p:cNvPicPr>
+            <a:picLocks noChangeAspect="1" noChangeArrowheads="1"/>
+          </p:cNvPicPr>
           <p:nvPr/>
-        </p:nvSpPr>
-        <p:spPr>
-          <a:xfrm>
-            <a:off x="838200" y="1825625"/>
-            <a:ext cx="5181600" cy="3574521"/>
+        </p:nvPicPr>
+        <p:blipFill>
+          <a:blip r:embed="rId2">
+            <a:extLst>
+              <a:ext uri="{28A0092B-C50C-407E-A947-70E740481C1C}">
+                <a14:useLocalDpi xmlns:a14="http://schemas.microsoft.com/office/drawing/2010/main" val="0"/>
+              </a:ext>
+            </a:extLst>
+          </a:blip>
+          <a:srcRect/>
+          <a:stretch>
+            <a:fillRect/>
+          </a:stretch>
+        </p:blipFill>
+        <p:spPr bwMode="auto">
+          <a:xfrm>
+            <a:off x="1946486" y="2641600"/>
+            <a:ext cx="2537565" cy="2537460"/>
           </a:xfrm>
           <a:prstGeom prst="rect">
             <a:avLst/>
           </a:prstGeom>
-        </p:spPr>
-        <p:txBody>
-          <a:bodyPr vert="horz" lIns="91440" tIns="45720" rIns="91440" bIns="45720" rtlCol="0">
-            <a:normAutofit/>
-          </a:bodyPr>
-          <a:lstStyle/>
-          <a:p>
-            <a:pPr indent="-228600">
-              <a:lnSpc>
-                <a:spcPct val="90000"/>
-              </a:lnSpc>
-              <a:spcAft>
-                <a:spcPts val="600"/>
-              </a:spcAft>
-              <a:buFont typeface="Arial"/>
-              <a:buChar char="•"/>
-            </a:pPr>
-            <a:r>
-              <a:rPr lang="en-US" sz="2800" dirty="0">
-                <a:latin typeface="Source Sans Pro" charset="0"/>
-                <a:hlinkClick r:id="rId2"/>
-              </a:rPr>
-              <a:t>https://create.kahoot.it/details/12b747eb-4371-436c-ae50-256504afd3ca</a:t>
-            </a:r>
-            <a:endParaRPr lang="en-US" sz="2800" dirty="0">
-              <a:latin typeface="Source Sans Pro" charset="0"/>
-            </a:endParaRPr>
-          </a:p>
-        </p:txBody>
-      </p:sp>
+          <a:ln>
+            <a:noFill/>
+          </a:ln>
+          <a:effectLst>
+            <a:outerShdw blurRad="292100" dist="139700" dir="2700000" algn="tl" rotWithShape="0">
+              <a:srgbClr val="333333">
+                <a:alpha val="65000"/>
+              </a:srgbClr>
+            </a:outerShdw>
+          </a:effectLst>
+          <a:extLst>
+            <a:ext uri="{909E8E84-426E-40DD-AFC4-6F175D3DCCD1}">
+              <a14:hiddenFill xmlns:a14="http://schemas.microsoft.com/office/drawing/2010/main">
+                <a:solidFill>
+                  <a:srgbClr val="FFFFFF"/>
+                </a:solidFill>
+              </a14:hiddenFill>
+            </a:ext>
+          </a:extLst>
+        </p:spPr>
+      </p:pic>
       <p:pic>
         <p:nvPicPr>
-          <p:cNvPr id="2050" name="Picture 2" descr="Kahoot! Logo and symbol, meaning, history, PNG, brand">
+          <p:cNvPr id="3076" name="Picture 4" descr="Countries Icons - Free SVG &amp; PNG Countries Images - Noun Project">
             <a:extLst>
               <a:ext uri="{FF2B5EF4-FFF2-40B4-BE49-F238E27FC236}">
-                <a16:creationId xmlns:a16="http://schemas.microsoft.com/office/drawing/2014/main" id="{59AF5912-8423-A7A6-4790-CA5A9A8B06ED}"/>
+                <a16:creationId xmlns:a16="http://schemas.microsoft.com/office/drawing/2014/main" id="{285BE14C-B161-4DB2-747A-770B4C4F1711}"/>
               </a:ext>
             </a:extLst>
           </p:cNvPr>
@@ -5616,19 +6577,29 @@
               </a:ext>
             </a:extLst>
           </a:blip>
+          <a:srcRect/>
           <a:stretch>
             <a:fillRect/>
           </a:stretch>
         </p:blipFill>
         <p:spPr bwMode="auto">
           <a:xfrm>
-            <a:off x="6172200" y="2155560"/>
-            <a:ext cx="5181600" cy="2914650"/>
+            <a:off x="6985846" y="2641599"/>
+            <a:ext cx="2537565" cy="2537565"/>
           </a:xfrm>
           <a:prstGeom prst="rect">
             <a:avLst/>
           </a:prstGeom>
-          <a:noFill/>
+          <a:ln>
+            <a:noFill/>
+          </a:ln>
+          <a:effectLst>
+            <a:outerShdw blurRad="292100" dist="139700" dir="2700000" algn="tl" rotWithShape="0">
+              <a:srgbClr val="333333">
+                <a:alpha val="65000"/>
+              </a:srgbClr>
+            </a:outerShdw>
+          </a:effectLst>
           <a:extLst>
             <a:ext uri="{909E8E84-426E-40DD-AFC4-6F175D3DCCD1}">
               <a14:hiddenFill xmlns:a14="http://schemas.microsoft.com/office/drawing/2010/main">
@@ -5643,7 +6614,7 @@
     </p:spTree>
     <p:extLst>
       <p:ext uri="{BB962C8B-B14F-4D97-AF65-F5344CB8AC3E}">
-        <p14:creationId xmlns:p14="http://schemas.microsoft.com/office/powerpoint/2010/main" val="4041422668"/>
+        <p14:creationId xmlns:p14="http://schemas.microsoft.com/office/powerpoint/2010/main" val="2702524814"/>
       </p:ext>
     </p:extLst>
   </p:cSld>
@@ -5670,292 +6641,58 @@
           <a:chExt cx="0" cy="0"/>
         </a:xfrm>
       </p:grpSpPr>
-      <p:sp>
-        <p:nvSpPr>
-          <p:cNvPr id="2" name="Title 1">
+      <p:pic>
+        <p:nvPicPr>
+          <p:cNvPr id="4098" name="Picture 2" descr="Excel Logo, symbol, meaning, history, PNG, brand">
             <a:extLst>
               <a:ext uri="{FF2B5EF4-FFF2-40B4-BE49-F238E27FC236}">
-                <a16:creationId xmlns:a16="http://schemas.microsoft.com/office/drawing/2014/main" id="{F99A8C0B-4610-79C6-33D9-E081F1B71871}"/>
-              </a:ext>
-            </a:extLst>
-          </p:cNvPr>
-          <p:cNvSpPr>
-            <a:spLocks noGrp="1"/>
-          </p:cNvSpPr>
-          <p:nvPr>
-            <p:ph type="title"/>
-          </p:nvPr>
-        </p:nvSpPr>
-        <p:spPr>
-          <a:xfrm>
-            <a:off x="838200" y="0"/>
-            <a:ext cx="10515600" cy="944217"/>
-          </a:xfrm>
-        </p:spPr>
-        <p:txBody>
-          <a:bodyPr/>
-          <a:lstStyle/>
-          <a:p>
-            <a:r>
-              <a:rPr lang="en-US" dirty="0"/>
-              <a:t>In-class Activity</a:t>
-            </a:r>
-          </a:p>
-        </p:txBody>
-      </p:sp>
-      <p:sp>
-        <p:nvSpPr>
-          <p:cNvPr id="5" name="TextBox 4">
-            <a:extLst>
-              <a:ext uri="{FF2B5EF4-FFF2-40B4-BE49-F238E27FC236}">
-                <a16:creationId xmlns:a16="http://schemas.microsoft.com/office/drawing/2014/main" id="{4425BD69-EA1D-E08D-6FF2-77D275B5BF91}"/>
-              </a:ext>
-            </a:extLst>
-          </p:cNvPr>
-          <p:cNvSpPr txBox="1"/>
-          <p:nvPr/>
-        </p:nvSpPr>
-        <p:spPr>
-          <a:xfrm>
-            <a:off x="838200" y="1221808"/>
-            <a:ext cx="10704444" cy="1323439"/>
-          </a:xfrm>
-          <a:prstGeom prst="rect">
-            <a:avLst/>
-          </a:prstGeom>
-          <a:noFill/>
-        </p:spPr>
-        <p:txBody>
-          <a:bodyPr wrap="square" rtlCol="0">
-            <a:spAutoFit/>
-          </a:bodyPr>
-          <a:lstStyle/>
-          <a:p>
-            <a:r>
-              <a:rPr lang="en-US" sz="2000" b="1" i="1" dirty="0" err="1">
-                <a:latin typeface="Source Sans Pro" panose="020B0503030403020204" pitchFamily="34" charset="0"/>
-                <a:ea typeface="Source Sans Pro" panose="020B0503030403020204" pitchFamily="34" charset="0"/>
-              </a:rPr>
-              <a:t>Feelin</a:t>
-            </a:r>
-            <a:r>
-              <a:rPr lang="en-US" sz="2000" b="1" i="1" dirty="0">
-                <a:latin typeface="Source Sans Pro" panose="020B0503030403020204" pitchFamily="34" charset="0"/>
-                <a:ea typeface="Source Sans Pro" panose="020B0503030403020204" pitchFamily="34" charset="0"/>
-              </a:rPr>
-              <a:t>' Brisket</a:t>
-            </a:r>
-            <a:r>
-              <a:rPr lang="en-US" sz="2000" b="1" dirty="0">
-                <a:latin typeface="Source Sans Pro" panose="020B0503030403020204" pitchFamily="34" charset="0"/>
-                <a:ea typeface="Source Sans Pro" panose="020B0503030403020204" pitchFamily="34" charset="0"/>
-              </a:rPr>
-              <a:t> </a:t>
-            </a:r>
-            <a:r>
-              <a:rPr lang="en-US" sz="2000" dirty="0">
-                <a:latin typeface="Source Sans Pro" panose="020B0503030403020204" pitchFamily="34" charset="0"/>
-                <a:ea typeface="Source Sans Pro" panose="020B0503030403020204" pitchFamily="34" charset="0"/>
-              </a:rPr>
-              <a:t>is a small restaurant in Dallas, Texas. Felicia recently bought the restaurant which employs several workers including cooks, servers, and bussers. She received the </a:t>
-            </a:r>
-            <a:r>
-              <a:rPr lang="en-US" sz="2000" i="1" u="sng" dirty="0">
-                <a:latin typeface="Source Sans Pro" panose="020B0503030403020204" pitchFamily="34" charset="0"/>
-                <a:ea typeface="Source Sans Pro" panose="020B0503030403020204" pitchFamily="34" charset="0"/>
-              </a:rPr>
-              <a:t>employee list </a:t>
-            </a:r>
-            <a:r>
-              <a:rPr lang="en-US" sz="2000" dirty="0">
-                <a:latin typeface="Source Sans Pro" panose="020B0503030403020204" pitchFamily="34" charset="0"/>
-                <a:ea typeface="Source Sans Pro" panose="020B0503030403020204" pitchFamily="34" charset="0"/>
-              </a:rPr>
-              <a:t>which includes their </a:t>
-            </a:r>
-            <a:r>
-              <a:rPr lang="en-US" sz="2000" i="1" u="sng" dirty="0">
-                <a:latin typeface="Source Sans Pro" panose="020B0503030403020204" pitchFamily="34" charset="0"/>
-                <a:ea typeface="Source Sans Pro" panose="020B0503030403020204" pitchFamily="34" charset="0"/>
-              </a:rPr>
-              <a:t>hourly rate </a:t>
-            </a:r>
-            <a:r>
-              <a:rPr lang="en-US" sz="2000" dirty="0">
-                <a:latin typeface="Source Sans Pro" panose="020B0503030403020204" pitchFamily="34" charset="0"/>
-                <a:ea typeface="Source Sans Pro" panose="020B0503030403020204" pitchFamily="34" charset="0"/>
-              </a:rPr>
-              <a:t>and their </a:t>
-            </a:r>
-            <a:r>
-              <a:rPr lang="en-US" sz="2000" i="1" u="sng" dirty="0">
-                <a:latin typeface="Source Sans Pro" panose="020B0503030403020204" pitchFamily="34" charset="0"/>
-                <a:ea typeface="Source Sans Pro" panose="020B0503030403020204" pitchFamily="34" charset="0"/>
-              </a:rPr>
-              <a:t>logged hours </a:t>
-            </a:r>
-            <a:r>
-              <a:rPr lang="en-US" sz="2000" dirty="0">
-                <a:latin typeface="Source Sans Pro" panose="020B0503030403020204" pitchFamily="34" charset="0"/>
-                <a:ea typeface="Source Sans Pro" panose="020B0503030403020204" pitchFamily="34" charset="0"/>
-              </a:rPr>
-              <a:t>of the </a:t>
-            </a:r>
-            <a:r>
-              <a:rPr lang="en-US" sz="2000" i="1" u="sng" dirty="0">
-                <a:latin typeface="Source Sans Pro" panose="020B0503030403020204" pitchFamily="34" charset="0"/>
-                <a:ea typeface="Source Sans Pro" panose="020B0503030403020204" pitchFamily="34" charset="0"/>
-              </a:rPr>
-              <a:t>previous month</a:t>
-            </a:r>
-            <a:r>
-              <a:rPr lang="en-US" sz="2000" dirty="0">
-                <a:latin typeface="Source Sans Pro" panose="020B0503030403020204" pitchFamily="34" charset="0"/>
-                <a:ea typeface="Source Sans Pro" panose="020B0503030403020204" pitchFamily="34" charset="0"/>
-              </a:rPr>
-              <a:t>. Could you please help Felicia analyze her new restaurant by answering these questions:</a:t>
-            </a:r>
-          </a:p>
-        </p:txBody>
-      </p:sp>
-      <p:sp>
-        <p:nvSpPr>
-          <p:cNvPr id="7" name="TextBox 6">
-            <a:extLst>
-              <a:ext uri="{FF2B5EF4-FFF2-40B4-BE49-F238E27FC236}">
-                <a16:creationId xmlns:a16="http://schemas.microsoft.com/office/drawing/2014/main" id="{F32D15F3-D23A-F8A1-9C6E-5F0E333D1F07}"/>
-              </a:ext>
-            </a:extLst>
-          </p:cNvPr>
-          <p:cNvSpPr txBox="1"/>
-          <p:nvPr/>
-        </p:nvSpPr>
-        <p:spPr>
-          <a:xfrm>
-            <a:off x="838200" y="2475194"/>
-            <a:ext cx="5321970" cy="1477328"/>
-          </a:xfrm>
-          <a:prstGeom prst="rect">
-            <a:avLst/>
-          </a:prstGeom>
-          <a:noFill/>
-        </p:spPr>
-        <p:txBody>
-          <a:bodyPr wrap="none" rtlCol="0">
-            <a:spAutoFit/>
-          </a:bodyPr>
-          <a:lstStyle/>
-          <a:p>
-            <a:pPr marL="342900" indent="-342900">
-              <a:buFont typeface="+mj-lt"/>
-              <a:buAutoNum type="arabicPeriod"/>
-            </a:pPr>
-            <a:r>
-              <a:rPr lang="en-US" dirty="0">
-                <a:latin typeface="Source Sans Pro" panose="020B0503030403020204" pitchFamily="34" charset="0"/>
-                <a:ea typeface="Source Sans Pro" panose="020B0503030403020204" pitchFamily="34" charset="0"/>
-              </a:rPr>
-              <a:t>How many employees does the restaurant have?</a:t>
-            </a:r>
-          </a:p>
-          <a:p>
-            <a:pPr marL="342900" indent="-342900">
-              <a:buFont typeface="+mj-lt"/>
-              <a:buAutoNum type="arabicPeriod"/>
-            </a:pPr>
-            <a:r>
-              <a:rPr lang="en-US" dirty="0">
-                <a:latin typeface="Source Sans Pro" panose="020B0503030403020204" pitchFamily="34" charset="0"/>
-                <a:ea typeface="Source Sans Pro" panose="020B0503030403020204" pitchFamily="34" charset="0"/>
-              </a:rPr>
-              <a:t>What is the average tenure of the employees?</a:t>
-            </a:r>
-          </a:p>
-          <a:p>
-            <a:pPr marL="342900" indent="-342900">
-              <a:buFont typeface="+mj-lt"/>
-              <a:buAutoNum type="arabicPeriod"/>
-            </a:pPr>
-            <a:r>
-              <a:rPr lang="en-US" dirty="0">
-                <a:latin typeface="Source Sans Pro" panose="020B0503030403020204" pitchFamily="34" charset="0"/>
-                <a:ea typeface="Source Sans Pro" panose="020B0503030403020204" pitchFamily="34" charset="0"/>
-              </a:rPr>
-              <a:t>What is the average hourly rate of all employees?</a:t>
-            </a:r>
-          </a:p>
-          <a:p>
-            <a:pPr marL="342900" indent="-342900">
-              <a:buFont typeface="+mj-lt"/>
-              <a:buAutoNum type="arabicPeriod"/>
-            </a:pPr>
-            <a:r>
-              <a:rPr lang="en-US" dirty="0">
-                <a:latin typeface="Source Sans Pro" panose="020B0503030403020204" pitchFamily="34" charset="0"/>
-                <a:ea typeface="Source Sans Pro" panose="020B0503030403020204" pitchFamily="34" charset="0"/>
-              </a:rPr>
-              <a:t>What are the total logged hours?</a:t>
-            </a:r>
-          </a:p>
-          <a:p>
-            <a:pPr marL="342900" indent="-342900">
-              <a:buFont typeface="+mj-lt"/>
-              <a:buAutoNum type="arabicPeriod"/>
-            </a:pPr>
-            <a:r>
-              <a:rPr lang="en-US" dirty="0">
-                <a:latin typeface="Source Sans Pro" panose="020B0503030403020204" pitchFamily="34" charset="0"/>
-                <a:ea typeface="Source Sans Pro" panose="020B0503030403020204" pitchFamily="34" charset="0"/>
-              </a:rPr>
-              <a:t>What is the total labor cost?</a:t>
-            </a:r>
-          </a:p>
-        </p:txBody>
-      </p:sp>
-      <p:pic>
-        <p:nvPicPr>
-          <p:cNvPr id="12" name="Picture 11" descr="Table&#10;&#10;Description automatically generated">
-            <a:extLst>
-              <a:ext uri="{FF2B5EF4-FFF2-40B4-BE49-F238E27FC236}">
-                <a16:creationId xmlns:a16="http://schemas.microsoft.com/office/drawing/2014/main" id="{4CD68DBB-A264-89DB-BDD4-9F79CF9C58C2}"/>
+                <a16:creationId xmlns:a16="http://schemas.microsoft.com/office/drawing/2014/main" id="{7F978DE5-FE97-E0D9-32A6-53629B86A2DE}"/>
               </a:ext>
             </a:extLst>
           </p:cNvPr>
           <p:cNvPicPr>
-            <a:picLocks noChangeAspect="1"/>
+            <a:picLocks noChangeAspect="1" noChangeArrowheads="1"/>
           </p:cNvPicPr>
           <p:nvPr/>
         </p:nvPicPr>
         <p:blipFill>
-          <a:blip r:embed="rId2"/>
+          <a:blip r:embed="rId2">
+            <a:extLst>
+              <a:ext uri="{28A0092B-C50C-407E-A947-70E740481C1C}">
+                <a14:useLocalDpi xmlns:a14="http://schemas.microsoft.com/office/drawing/2010/main" val="0"/>
+              </a:ext>
+            </a:extLst>
+          </a:blip>
           <a:stretch>
             <a:fillRect/>
           </a:stretch>
         </p:blipFill>
-        <p:spPr>
-          <a:xfrm>
-            <a:off x="838200" y="4052609"/>
-            <a:ext cx="6019800" cy="1752600"/>
+        <p:spPr bwMode="auto">
+          <a:xfrm>
+            <a:off x="1763887" y="530557"/>
+            <a:ext cx="8664222" cy="4873625"/>
           </a:xfrm>
           <a:prstGeom prst="rect">
             <a:avLst/>
           </a:prstGeom>
-          <a:ln>
-            <a:noFill/>
-          </a:ln>
-          <a:effectLst>
-            <a:outerShdw blurRad="292100" dist="139700" dir="2700000" algn="tl" rotWithShape="0">
-              <a:srgbClr val="333333">
-                <a:alpha val="65000"/>
-              </a:srgbClr>
-            </a:outerShdw>
-          </a:effectLst>
+          <a:solidFill>
+            <a:srgbClr val="FFFFFF"/>
+          </a:solidFill>
+          <a:extLst>
+            <a:ext uri="{909E8E84-426E-40DD-AFC4-6F175D3DCCD1}">
+              <a14:hiddenFill xmlns:a14="http://schemas.microsoft.com/office/drawing/2010/main">
+                <a:solidFill>
+                  <a:srgbClr val="FFFFFF"/>
+                </a:solidFill>
+              </a14:hiddenFill>
+            </a:ext>
+          </a:extLst>
         </p:spPr>
       </p:pic>
     </p:spTree>
     <p:extLst>
       <p:ext uri="{BB962C8B-B14F-4D97-AF65-F5344CB8AC3E}">
-        <p14:creationId xmlns:p14="http://schemas.microsoft.com/office/powerpoint/2010/main" val="926268436"/>
+        <p14:creationId xmlns:p14="http://schemas.microsoft.com/office/powerpoint/2010/main" val="3694010282"/>
       </p:ext>
     </p:extLst>
   </p:cSld>
@@ -5982,55 +6719,65 @@
           <a:chExt cx="0" cy="0"/>
         </a:xfrm>
       </p:grpSpPr>
-      <p:sp>
-        <p:nvSpPr>
-          <p:cNvPr id="2" name="Title 1">
+      <p:pic>
+        <p:nvPicPr>
+          <p:cNvPr id="5122" name="Picture 2" descr="Why Not to Use the Word Why | Never Ask Why | Why did you do that?">
             <a:extLst>
               <a:ext uri="{FF2B5EF4-FFF2-40B4-BE49-F238E27FC236}">
-                <a16:creationId xmlns:a16="http://schemas.microsoft.com/office/drawing/2014/main" id="{C6AF3951-5A64-BD08-2426-1D87CDE50BBA}"/>
+                <a16:creationId xmlns:a16="http://schemas.microsoft.com/office/drawing/2014/main" id="{A456283C-5946-991B-8CCD-06327BBD8EE8}"/>
               </a:ext>
             </a:extLst>
           </p:cNvPr>
-          <p:cNvSpPr>
-            <a:spLocks noGrp="1"/>
-          </p:cNvSpPr>
-          <p:nvPr>
-            <p:ph type="title"/>
-          </p:nvPr>
-        </p:nvSpPr>
-        <p:spPr/>
-        <p:txBody>
-          <a:bodyPr/>
-          <a:lstStyle/>
-          <a:p>
-            <a:r>
-              <a:rPr lang="en-US" dirty="0" err="1"/>
-              <a:t>github.com</a:t>
-            </a:r>
-            <a:r>
-              <a:rPr lang="en-US" dirty="0"/>
-              <a:t>/c-</a:t>
-            </a:r>
-            <a:r>
-              <a:rPr lang="en-US" dirty="0" err="1"/>
-              <a:t>kevin</a:t>
-            </a:r>
-            <a:r>
-              <a:rPr lang="en-US" dirty="0"/>
-              <a:t>-Kusuma/</a:t>
-            </a:r>
-            <a:r>
-              <a:rPr lang="en-US" dirty="0" err="1"/>
-              <a:t>byuh</a:t>
-            </a:r>
-            <a:endParaRPr lang="en-US" dirty="0"/>
-          </a:p>
-        </p:txBody>
-      </p:sp>
+          <p:cNvPicPr>
+            <a:picLocks noChangeAspect="1" noChangeArrowheads="1"/>
+          </p:cNvPicPr>
+          <p:nvPr/>
+        </p:nvPicPr>
+        <p:blipFill>
+          <a:blip r:embed="rId2">
+            <a:extLst>
+              <a:ext uri="{28A0092B-C50C-407E-A947-70E740481C1C}">
+                <a14:useLocalDpi xmlns:a14="http://schemas.microsoft.com/office/drawing/2010/main" val="0"/>
+              </a:ext>
+            </a:extLst>
+          </a:blip>
+          <a:stretch>
+            <a:fillRect/>
+          </a:stretch>
+        </p:blipFill>
+        <p:spPr bwMode="auto">
+          <a:xfrm>
+            <a:off x="2986711" y="586253"/>
+            <a:ext cx="6912078" cy="4599673"/>
+          </a:xfrm>
+          <a:prstGeom prst="rect">
+            <a:avLst/>
+          </a:prstGeom>
+          <a:ln>
+            <a:noFill/>
+          </a:ln>
+          <a:effectLst>
+            <a:outerShdw blurRad="292100" dist="139700" dir="2700000" algn="tl" rotWithShape="0">
+              <a:srgbClr val="333333">
+                <a:alpha val="65000"/>
+              </a:srgbClr>
+            </a:outerShdw>
+          </a:effectLst>
+          <a:extLst>
+            <a:ext uri="{909E8E84-426E-40DD-AFC4-6F175D3DCCD1}">
+              <a14:hiddenFill xmlns:a14="http://schemas.microsoft.com/office/drawing/2010/main">
+                <a:solidFill>
+                  <a:srgbClr val="FFFFFF"/>
+                </a:solidFill>
+              </a14:hiddenFill>
+            </a:ext>
+          </a:extLst>
+        </p:spPr>
+      </p:pic>
     </p:spTree>
     <p:extLst>
       <p:ext uri="{BB962C8B-B14F-4D97-AF65-F5344CB8AC3E}">
-        <p14:creationId xmlns:p14="http://schemas.microsoft.com/office/powerpoint/2010/main" val="2072063512"/>
+        <p14:creationId xmlns:p14="http://schemas.microsoft.com/office/powerpoint/2010/main" val="2597755697"/>
       </p:ext>
     </p:extLst>
   </p:cSld>
@@ -6062,7 +6809,7 @@
           <p:cNvPr id="2" name="Title 1">
             <a:extLst>
               <a:ext uri="{FF2B5EF4-FFF2-40B4-BE49-F238E27FC236}">
-                <a16:creationId xmlns:a16="http://schemas.microsoft.com/office/drawing/2014/main" id="{C2F72965-FC77-C54C-9CB4-A6CEB58EA0B8}"/>
+                <a16:creationId xmlns:a16="http://schemas.microsoft.com/office/drawing/2014/main" id="{C9009B22-1D79-CDD0-070D-2FC6B3F29748}"/>
               </a:ext>
             </a:extLst>
           </p:cNvPr>
@@ -6078,10 +6825,218 @@
           <a:bodyPr/>
           <a:lstStyle/>
           <a:p>
+            <a:r>
+              <a:rPr lang="en-US" dirty="0"/>
+              <a:t>Case 1</a:t>
+            </a:r>
+          </a:p>
+        </p:txBody>
+      </p:sp>
+      <p:sp>
+        <p:nvSpPr>
+          <p:cNvPr id="3" name="Content Placeholder 2">
+            <a:extLst>
+              <a:ext uri="{FF2B5EF4-FFF2-40B4-BE49-F238E27FC236}">
+                <a16:creationId xmlns:a16="http://schemas.microsoft.com/office/drawing/2014/main" id="{042F8D10-E893-ED8E-9E05-7B605C8CB2CB}"/>
+              </a:ext>
+            </a:extLst>
+          </p:cNvPr>
+          <p:cNvSpPr>
+            <a:spLocks noGrp="1"/>
+          </p:cNvSpPr>
+          <p:nvPr>
+            <p:ph idx="1"/>
+          </p:nvPr>
+        </p:nvSpPr>
+        <p:spPr/>
+        <p:txBody>
+          <a:bodyPr/>
+          <a:lstStyle/>
+          <a:p>
+            <a:pPr marL="0" indent="0">
+              <a:buNone/>
+            </a:pPr>
+            <a:r>
+              <a:rPr lang="en-US" dirty="0" err="1"/>
+              <a:t>Siolana</a:t>
+            </a:r>
+            <a:r>
+              <a:rPr lang="en-US" dirty="0"/>
+              <a:t> is a manager of a shoe store located at Kaneohe Shopping Center. The owner has asked her to give him a quick report on sales of the previous week (2/20 – 2/26). </a:t>
+            </a:r>
+          </a:p>
+        </p:txBody>
+      </p:sp>
+    </p:spTree>
+    <p:extLst>
+      <p:ext uri="{BB962C8B-B14F-4D97-AF65-F5344CB8AC3E}">
+        <p14:creationId xmlns:p14="http://schemas.microsoft.com/office/powerpoint/2010/main" val="1271492379"/>
+      </p:ext>
+    </p:extLst>
+  </p:cSld>
+  <p:clrMapOvr>
+    <a:masterClrMapping/>
+  </p:clrMapOvr>
+</p:sld>
+</file>
+
+<file path=ppt/slides/slide8.xml><?xml version="1.0" encoding="utf-8"?>
+<p:sld xmlns:a="http://schemas.openxmlformats.org/drawingml/2006/main" xmlns:r="http://schemas.openxmlformats.org/officeDocument/2006/relationships" xmlns:p="http://schemas.openxmlformats.org/presentationml/2006/main">
+  <p:cSld>
+    <p:spTree>
+      <p:nvGrpSpPr>
+        <p:cNvPr id="1" name=""/>
+        <p:cNvGrpSpPr/>
+        <p:nvPr/>
+      </p:nvGrpSpPr>
+      <p:grpSpPr>
+        <a:xfrm>
+          <a:off x="0" y="0"/>
+          <a:ext cx="0" cy="0"/>
+          <a:chOff x="0" y="0"/>
+          <a:chExt cx="0" cy="0"/>
+        </a:xfrm>
+      </p:grpSpPr>
+      <p:sp>
+        <p:nvSpPr>
+          <p:cNvPr id="2" name="Title 1">
+            <a:extLst>
+              <a:ext uri="{FF2B5EF4-FFF2-40B4-BE49-F238E27FC236}">
+                <a16:creationId xmlns:a16="http://schemas.microsoft.com/office/drawing/2014/main" id="{47C86FBC-2EF5-2CDB-EC8D-720F3E13BA21}"/>
+              </a:ext>
+            </a:extLst>
+          </p:cNvPr>
+          <p:cNvSpPr>
+            <a:spLocks noGrp="1"/>
+          </p:cNvSpPr>
+          <p:nvPr>
+            <p:ph type="title"/>
+          </p:nvPr>
+        </p:nvSpPr>
+        <p:spPr>
+          <a:xfrm>
+            <a:off x="838200" y="0"/>
+            <a:ext cx="10515600" cy="1325563"/>
+          </a:xfrm>
+        </p:spPr>
+        <p:txBody>
+          <a:bodyPr/>
+          <a:lstStyle/>
+          <a:p>
             <a:pPr algn="ctr"/>
             <a:r>
               <a:rPr lang="en-US" dirty="0"/>
-              <a:t>Next Class</a:t>
+              <a:t>Break Into Groups</a:t>
+            </a:r>
+          </a:p>
+        </p:txBody>
+      </p:sp>
+      <p:sp>
+        <p:nvSpPr>
+          <p:cNvPr id="3" name="Content Placeholder 2">
+            <a:extLst>
+              <a:ext uri="{FF2B5EF4-FFF2-40B4-BE49-F238E27FC236}">
+                <a16:creationId xmlns:a16="http://schemas.microsoft.com/office/drawing/2014/main" id="{755E0F7C-7670-ADD8-B203-EEE062B8C98C}"/>
+              </a:ext>
+            </a:extLst>
+          </p:cNvPr>
+          <p:cNvSpPr>
+            <a:spLocks noGrp="1"/>
+          </p:cNvSpPr>
+          <p:nvPr>
+            <p:ph idx="1"/>
+          </p:nvPr>
+        </p:nvSpPr>
+        <p:spPr/>
+        <p:txBody>
+          <a:bodyPr/>
+          <a:lstStyle/>
+          <a:p>
+            <a:pPr marL="514350" indent="-514350">
+              <a:buAutoNum type="arabicPeriod"/>
+            </a:pPr>
+            <a:r>
+              <a:rPr lang="en-US" dirty="0"/>
+              <a:t>Discuss the benefits of Excel for businesses.</a:t>
+            </a:r>
+          </a:p>
+          <a:p>
+            <a:pPr marL="514350" indent="-514350">
+              <a:buAutoNum type="arabicPeriod"/>
+            </a:pPr>
+            <a:endParaRPr lang="en-US" dirty="0"/>
+          </a:p>
+          <a:p>
+            <a:pPr marL="514350" indent="-514350">
+              <a:buFont typeface="+mj-lt"/>
+              <a:buAutoNum type="arabicPeriod"/>
+            </a:pPr>
+            <a:r>
+              <a:rPr lang="en-US" dirty="0"/>
+              <a:t>Write at least 5 of them on a piece of paper.</a:t>
+            </a:r>
+          </a:p>
+        </p:txBody>
+      </p:sp>
+    </p:spTree>
+    <p:extLst>
+      <p:ext uri="{BB962C8B-B14F-4D97-AF65-F5344CB8AC3E}">
+        <p14:creationId xmlns:p14="http://schemas.microsoft.com/office/powerpoint/2010/main" val="2797183243"/>
+      </p:ext>
+    </p:extLst>
+  </p:cSld>
+  <p:clrMapOvr>
+    <a:masterClrMapping/>
+  </p:clrMapOvr>
+</p:sld>
+</file>
+
+<file path=ppt/slides/slide9.xml><?xml version="1.0" encoding="utf-8"?>
+<p:sld xmlns:a="http://schemas.openxmlformats.org/drawingml/2006/main" xmlns:r="http://schemas.openxmlformats.org/officeDocument/2006/relationships" xmlns:p="http://schemas.openxmlformats.org/presentationml/2006/main">
+  <p:cSld>
+    <p:spTree>
+      <p:nvGrpSpPr>
+        <p:cNvPr id="1" name=""/>
+        <p:cNvGrpSpPr/>
+        <p:nvPr/>
+      </p:nvGrpSpPr>
+      <p:grpSpPr>
+        <a:xfrm>
+          <a:off x="0" y="0"/>
+          <a:ext cx="0" cy="0"/>
+          <a:chOff x="0" y="0"/>
+          <a:chExt cx="0" cy="0"/>
+        </a:xfrm>
+      </p:grpSpPr>
+      <p:sp>
+        <p:nvSpPr>
+          <p:cNvPr id="2" name="Title 1">
+            <a:extLst>
+              <a:ext uri="{FF2B5EF4-FFF2-40B4-BE49-F238E27FC236}">
+                <a16:creationId xmlns:a16="http://schemas.microsoft.com/office/drawing/2014/main" id="{F99A8C0B-4610-79C6-33D9-E081F1B71871}"/>
+              </a:ext>
+            </a:extLst>
+          </p:cNvPr>
+          <p:cNvSpPr>
+            <a:spLocks noGrp="1"/>
+          </p:cNvSpPr>
+          <p:nvPr>
+            <p:ph type="title"/>
+          </p:nvPr>
+        </p:nvSpPr>
+        <p:spPr>
+          <a:xfrm>
+            <a:off x="838200" y="0"/>
+            <a:ext cx="10515600" cy="944217"/>
+          </a:xfrm>
+        </p:spPr>
+        <p:txBody>
+          <a:bodyPr/>
+          <a:lstStyle/>
+          <a:p>
+            <a:r>
+              <a:rPr lang="en-US" dirty="0"/>
+              <a:t>Case 2</a:t>
             </a:r>
           </a:p>
         </p:txBody>
@@ -6091,7 +7046,7 @@
           <p:cNvPr id="5" name="TextBox 4">
             <a:extLst>
               <a:ext uri="{FF2B5EF4-FFF2-40B4-BE49-F238E27FC236}">
-                <a16:creationId xmlns:a16="http://schemas.microsoft.com/office/drawing/2014/main" id="{247C7803-34AE-7E4E-94A3-3780AE11490C}"/>
+                <a16:creationId xmlns:a16="http://schemas.microsoft.com/office/drawing/2014/main" id="{4425BD69-EA1D-E08D-6FF2-77D275B5BF91}"/>
               </a:ext>
             </a:extLst>
           </p:cNvPr>
@@ -6100,8 +7055,8 @@
         </p:nvSpPr>
         <p:spPr>
           <a:xfrm>
-            <a:off x="838200" y="1825449"/>
-            <a:ext cx="5724644" cy="1200329"/>
+            <a:off x="838200" y="1221808"/>
+            <a:ext cx="10704444" cy="1323439"/>
           </a:xfrm>
           <a:prstGeom prst="rect">
             <a:avLst/>
@@ -6109,108 +7064,236 @@
           <a:noFill/>
         </p:spPr>
         <p:txBody>
+          <a:bodyPr wrap="square" rtlCol="0">
+            <a:spAutoFit/>
+          </a:bodyPr>
+          <a:lstStyle/>
+          <a:p>
+            <a:r>
+              <a:rPr lang="en-US" sz="2000" b="1" i="1" dirty="0" err="1">
+                <a:latin typeface="Source Sans Pro" panose="020B0503030403020204" pitchFamily="34" charset="0"/>
+                <a:ea typeface="Source Sans Pro" panose="020B0503030403020204" pitchFamily="34" charset="0"/>
+              </a:rPr>
+              <a:t>Feelin</a:t>
+            </a:r>
+            <a:r>
+              <a:rPr lang="en-US" sz="2000" b="1" i="1" dirty="0">
+                <a:latin typeface="Source Sans Pro" panose="020B0503030403020204" pitchFamily="34" charset="0"/>
+                <a:ea typeface="Source Sans Pro" panose="020B0503030403020204" pitchFamily="34" charset="0"/>
+              </a:rPr>
+              <a:t>' Brisket</a:t>
+            </a:r>
+            <a:r>
+              <a:rPr lang="en-US" sz="2000" b="1" dirty="0">
+                <a:latin typeface="Source Sans Pro" panose="020B0503030403020204" pitchFamily="34" charset="0"/>
+                <a:ea typeface="Source Sans Pro" panose="020B0503030403020204" pitchFamily="34" charset="0"/>
+              </a:rPr>
+              <a:t> </a:t>
+            </a:r>
+            <a:r>
+              <a:rPr lang="en-US" sz="2000" dirty="0">
+                <a:latin typeface="Source Sans Pro" panose="020B0503030403020204" pitchFamily="34" charset="0"/>
+                <a:ea typeface="Source Sans Pro" panose="020B0503030403020204" pitchFamily="34" charset="0"/>
+              </a:rPr>
+              <a:t>is a small restaurant in Dallas, Texas. Felicia recently bought the restaurant which employs several workers including cooks, servers, and bussers. She received the </a:t>
+            </a:r>
+            <a:r>
+              <a:rPr lang="en-US" sz="2000" i="1" u="sng" dirty="0">
+                <a:latin typeface="Source Sans Pro" panose="020B0503030403020204" pitchFamily="34" charset="0"/>
+                <a:ea typeface="Source Sans Pro" panose="020B0503030403020204" pitchFamily="34" charset="0"/>
+              </a:rPr>
+              <a:t>employee list </a:t>
+            </a:r>
+            <a:r>
+              <a:rPr lang="en-US" sz="2000" dirty="0">
+                <a:latin typeface="Source Sans Pro" panose="020B0503030403020204" pitchFamily="34" charset="0"/>
+                <a:ea typeface="Source Sans Pro" panose="020B0503030403020204" pitchFamily="34" charset="0"/>
+              </a:rPr>
+              <a:t>which includes their </a:t>
+            </a:r>
+            <a:r>
+              <a:rPr lang="en-US" sz="2000" i="1" u="sng" dirty="0">
+                <a:latin typeface="Source Sans Pro" panose="020B0503030403020204" pitchFamily="34" charset="0"/>
+                <a:ea typeface="Source Sans Pro" panose="020B0503030403020204" pitchFamily="34" charset="0"/>
+              </a:rPr>
+              <a:t>hourly rate </a:t>
+            </a:r>
+            <a:r>
+              <a:rPr lang="en-US" sz="2000" dirty="0">
+                <a:latin typeface="Source Sans Pro" panose="020B0503030403020204" pitchFamily="34" charset="0"/>
+                <a:ea typeface="Source Sans Pro" panose="020B0503030403020204" pitchFamily="34" charset="0"/>
+              </a:rPr>
+              <a:t>and their </a:t>
+            </a:r>
+            <a:r>
+              <a:rPr lang="en-US" sz="2000" i="1" u="sng" dirty="0">
+                <a:latin typeface="Source Sans Pro" panose="020B0503030403020204" pitchFamily="34" charset="0"/>
+                <a:ea typeface="Source Sans Pro" panose="020B0503030403020204" pitchFamily="34" charset="0"/>
+              </a:rPr>
+              <a:t>logged hours </a:t>
+            </a:r>
+            <a:r>
+              <a:rPr lang="en-US" sz="2000" dirty="0">
+                <a:latin typeface="Source Sans Pro" panose="020B0503030403020204" pitchFamily="34" charset="0"/>
+                <a:ea typeface="Source Sans Pro" panose="020B0503030403020204" pitchFamily="34" charset="0"/>
+              </a:rPr>
+              <a:t>of the </a:t>
+            </a:r>
+            <a:r>
+              <a:rPr lang="en-US" sz="2000" i="1" u="sng" dirty="0">
+                <a:latin typeface="Source Sans Pro" panose="020B0503030403020204" pitchFamily="34" charset="0"/>
+                <a:ea typeface="Source Sans Pro" panose="020B0503030403020204" pitchFamily="34" charset="0"/>
+              </a:rPr>
+              <a:t>previous month</a:t>
+            </a:r>
+            <a:r>
+              <a:rPr lang="en-US" sz="2000" dirty="0">
+                <a:latin typeface="Source Sans Pro" panose="020B0503030403020204" pitchFamily="34" charset="0"/>
+                <a:ea typeface="Source Sans Pro" panose="020B0503030403020204" pitchFamily="34" charset="0"/>
+              </a:rPr>
+              <a:t>. Could you please help Felicia analyze her new restaurant by answering these questions:</a:t>
+            </a:r>
+          </a:p>
+        </p:txBody>
+      </p:sp>
+      <p:sp>
+        <p:nvSpPr>
+          <p:cNvPr id="7" name="TextBox 6">
+            <a:extLst>
+              <a:ext uri="{FF2B5EF4-FFF2-40B4-BE49-F238E27FC236}">
+                <a16:creationId xmlns:a16="http://schemas.microsoft.com/office/drawing/2014/main" id="{F32D15F3-D23A-F8A1-9C6E-5F0E333D1F07}"/>
+              </a:ext>
+            </a:extLst>
+          </p:cNvPr>
+          <p:cNvSpPr txBox="1"/>
+          <p:nvPr/>
+        </p:nvSpPr>
+        <p:spPr>
+          <a:xfrm>
+            <a:off x="838200" y="2475194"/>
+            <a:ext cx="5321970" cy="1477328"/>
+          </a:xfrm>
+          <a:prstGeom prst="rect">
+            <a:avLst/>
+          </a:prstGeom>
+          <a:noFill/>
+        </p:spPr>
+        <p:txBody>
           <a:bodyPr wrap="none" rtlCol="0">
             <a:spAutoFit/>
           </a:bodyPr>
           <a:lstStyle/>
           <a:p>
+            <a:pPr marL="342900" indent="-342900">
+              <a:buFont typeface="+mj-lt"/>
+              <a:buAutoNum type="arabicPeriod"/>
+            </a:pPr>
             <a:r>
               <a:rPr lang="en-US" dirty="0">
                 <a:latin typeface="Source Sans Pro" panose="020B0503030403020204" pitchFamily="34" charset="0"/>
                 <a:ea typeface="Source Sans Pro" panose="020B0503030403020204" pitchFamily="34" charset="0"/>
               </a:rPr>
-              <a:t>To-do List:</a:t>
+              <a:t>How many employees does the restaurant have?</a:t>
             </a:r>
           </a:p>
           <a:p>
             <a:pPr marL="342900" indent="-342900">
-              <a:buFont typeface="Arial" panose="020B0604020202020204" pitchFamily="34" charset="0"/>
-              <a:buChar char="•"/>
+              <a:buFont typeface="+mj-lt"/>
+              <a:buAutoNum type="arabicPeriod"/>
             </a:pPr>
             <a:r>
               <a:rPr lang="en-US" dirty="0">
                 <a:latin typeface="Source Sans Pro" panose="020B0503030403020204" pitchFamily="34" charset="0"/>
                 <a:ea typeface="Source Sans Pro" panose="020B0503030403020204" pitchFamily="34" charset="0"/>
               </a:rPr>
-              <a:t>Fresh Sushi Excel (Due before next class)</a:t>
+              <a:t>What is the average tenure of the employees?</a:t>
             </a:r>
           </a:p>
           <a:p>
             <a:pPr marL="342900" indent="-342900">
-              <a:buFont typeface="Arial" panose="020B0604020202020204" pitchFamily="34" charset="0"/>
-              <a:buChar char="•"/>
+              <a:buFont typeface="+mj-lt"/>
+              <a:buAutoNum type="arabicPeriod"/>
             </a:pPr>
             <a:r>
               <a:rPr lang="en-US" dirty="0">
                 <a:latin typeface="Source Sans Pro" panose="020B0503030403020204" pitchFamily="34" charset="0"/>
                 <a:ea typeface="Source Sans Pro" panose="020B0503030403020204" pitchFamily="34" charset="0"/>
               </a:rPr>
-              <a:t>Email me for questions at </a:t>
-            </a:r>
-            <a:r>
-              <a:rPr lang="en-US" dirty="0">
-                <a:latin typeface="Source Sans Pro" panose="020B0503030403020204" pitchFamily="34" charset="0"/>
-                <a:ea typeface="Source Sans Pro" panose="020B0503030403020204" pitchFamily="34" charset="0"/>
-                <a:hlinkClick r:id="rId2"/>
-              </a:rPr>
-              <a:t>mulyono@go.byuh.edu</a:t>
-            </a:r>
+              <a:t>What is the average hourly rate of all employees?</a:t>
+            </a:r>
+          </a:p>
+          <a:p>
+            <a:pPr marL="342900" indent="-342900">
+              <a:buFont typeface="+mj-lt"/>
+              <a:buAutoNum type="arabicPeriod"/>
+            </a:pPr>
             <a:r>
               <a:rPr lang="en-US" dirty="0">
                 <a:latin typeface="Source Sans Pro" panose="020B0503030403020204" pitchFamily="34" charset="0"/>
                 <a:ea typeface="Source Sans Pro" panose="020B0503030403020204" pitchFamily="34" charset="0"/>
               </a:rPr>
-              <a:t>	</a:t>
+              <a:t>What are the total logged hours?</a:t>
             </a:r>
           </a:p>
           <a:p>
             <a:pPr marL="342900" indent="-342900">
-              <a:buFont typeface="Arial" panose="020B0604020202020204" pitchFamily="34" charset="0"/>
-              <a:buChar char="•"/>
+              <a:buFont typeface="+mj-lt"/>
+              <a:buAutoNum type="arabicPeriod"/>
             </a:pPr>
             <a:r>
               <a:rPr lang="en-US" dirty="0">
                 <a:latin typeface="Source Sans Pro" panose="020B0503030403020204" pitchFamily="34" charset="0"/>
                 <a:ea typeface="Source Sans Pro" panose="020B0503030403020204" pitchFamily="34" charset="0"/>
               </a:rPr>
-              <a:t>Add me on </a:t>
-            </a:r>
-            <a:r>
-              <a:rPr lang="en-US" dirty="0" err="1">
-                <a:latin typeface="Source Sans Pro" panose="020B0503030403020204" pitchFamily="34" charset="0"/>
-                <a:ea typeface="Source Sans Pro" panose="020B0503030403020204" pitchFamily="34" charset="0"/>
-              </a:rPr>
-              <a:t>LinkedId</a:t>
-            </a:r>
-            <a:r>
-              <a:rPr lang="en-US" dirty="0">
-                <a:latin typeface="Source Sans Pro" panose="020B0503030403020204" pitchFamily="34" charset="0"/>
-                <a:ea typeface="Source Sans Pro" panose="020B0503030403020204" pitchFamily="34" charset="0"/>
-              </a:rPr>
-              <a:t> at </a:t>
-            </a:r>
-            <a:r>
-              <a:rPr lang="en-US" dirty="0">
-                <a:latin typeface="Source Sans Pro" panose="020B0503030403020204" pitchFamily="34" charset="0"/>
-                <a:ea typeface="Source Sans Pro" panose="020B0503030403020204" pitchFamily="34" charset="0"/>
-                <a:hlinkClick r:id="rId3"/>
-              </a:rPr>
-              <a:t>linkedin.com/in/ckkusuma/</a:t>
-            </a:r>
-            <a:r>
-              <a:rPr lang="en-US" dirty="0">
-                <a:latin typeface="Source Sans Pro" panose="020B0503030403020204" pitchFamily="34" charset="0"/>
-                <a:ea typeface="Source Sans Pro" panose="020B0503030403020204" pitchFamily="34" charset="0"/>
-              </a:rPr>
-              <a:t>	</a:t>
-            </a:r>
-          </a:p>
-        </p:txBody>
-      </p:sp>
+              <a:t>What is the total labor cost?</a:t>
+            </a:r>
+          </a:p>
+        </p:txBody>
+      </p:sp>
+      <p:pic>
+        <p:nvPicPr>
+          <p:cNvPr id="12" name="Picture 11" descr="Table&#10;&#10;Description automatically generated">
+            <a:extLst>
+              <a:ext uri="{FF2B5EF4-FFF2-40B4-BE49-F238E27FC236}">
+                <a16:creationId xmlns:a16="http://schemas.microsoft.com/office/drawing/2014/main" id="{4CD68DBB-A264-89DB-BDD4-9F79CF9C58C2}"/>
+              </a:ext>
+            </a:extLst>
+          </p:cNvPr>
+          <p:cNvPicPr>
+            <a:picLocks noChangeAspect="1"/>
+          </p:cNvPicPr>
+          <p:nvPr/>
+        </p:nvPicPr>
+        <p:blipFill>
+          <a:blip r:embed="rId2"/>
+          <a:stretch>
+            <a:fillRect/>
+          </a:stretch>
+        </p:blipFill>
+        <p:spPr>
+          <a:xfrm>
+            <a:off x="838200" y="4052609"/>
+            <a:ext cx="6019800" cy="1752600"/>
+          </a:xfrm>
+          <a:prstGeom prst="rect">
+            <a:avLst/>
+          </a:prstGeom>
+          <a:ln>
+            <a:noFill/>
+          </a:ln>
+          <a:effectLst>
+            <a:outerShdw blurRad="292100" dist="139700" dir="2700000" algn="tl" rotWithShape="0">
+              <a:srgbClr val="333333">
+                <a:alpha val="65000"/>
+              </a:srgbClr>
+            </a:outerShdw>
+          </a:effectLst>
+        </p:spPr>
+      </p:pic>
     </p:spTree>
     <p:extLst>
       <p:ext uri="{BB962C8B-B14F-4D97-AF65-F5344CB8AC3E}">
-        <p14:creationId xmlns:p14="http://schemas.microsoft.com/office/powerpoint/2010/main" val="1412159718"/>
+        <p14:creationId xmlns:p14="http://schemas.microsoft.com/office/powerpoint/2010/main" val="926268436"/>
       </p:ext>
     </p:extLst>
   </p:cSld>
